--- a/RSA.pptx
+++ b/RSA.pptx
@@ -14,10 +14,10 @@
     <p:sldId id="290" r:id="rId5"/>
     <p:sldId id="291" r:id="rId6"/>
     <p:sldId id="292" r:id="rId7"/>
-    <p:sldId id="288" r:id="rId8"/>
-    <p:sldId id="289" r:id="rId9"/>
-    <p:sldId id="286" r:id="rId10"/>
-    <p:sldId id="287" r:id="rId11"/>
+    <p:sldId id="289" r:id="rId8"/>
+    <p:sldId id="286" r:id="rId9"/>
+    <p:sldId id="287" r:id="rId10"/>
+    <p:sldId id="293" r:id="rId11"/>
     <p:sldId id="284" r:id="rId12"/>
     <p:sldId id="280" r:id="rId13"/>
   </p:sldIdLst>
@@ -158,10 +158,10 @@
             <p14:sldId id="290"/>
             <p14:sldId id="291"/>
             <p14:sldId id="292"/>
-            <p14:sldId id="288"/>
             <p14:sldId id="289"/>
             <p14:sldId id="286"/>
             <p14:sldId id="287"/>
+            <p14:sldId id="293"/>
             <p14:sldId id="284"/>
             <p14:sldId id="280"/>
           </p14:sldIdLst>
@@ -268,7 +268,7 @@
           <a:p>
             <a:fld id="{4E1D12C1-9A79-4B6A-BA92-B0EC09DBF4DA}" type="datetimeFigureOut">
               <a:rPr lang="zh-CN" altLang="en-US" smtClean="0"/>
-              <a:t>2014/6/6</a:t>
+              <a:t>2014/6/17</a:t>
             </a:fld>
             <a:endParaRPr lang="zh-CN" altLang="en-US"/>
           </a:p>
@@ -730,6 +730,1480 @@
     <p:extLst>
       <p:ext uri="{BB962C8B-B14F-4D97-AF65-F5344CB8AC3E}">
         <p14:creationId xmlns:p14="http://schemas.microsoft.com/office/powerpoint/2010/main" val="94286656"/>
+      </p:ext>
+    </p:extLst>
+  </p:cSld>
+  <p:clrMapOvr>
+    <a:masterClrMapping/>
+  </p:clrMapOvr>
+</p:notes>
+</file>
+
+<file path=ppt/notesSlides/notesSlide2.xml><?xml version="1.0" encoding="utf-8"?>
+<p:notes xmlns:a="http://schemas.openxmlformats.org/drawingml/2006/main" xmlns:r="http://schemas.openxmlformats.org/officeDocument/2006/relationships" xmlns:p="http://schemas.openxmlformats.org/presentationml/2006/main">
+  <p:cSld>
+    <p:spTree>
+      <p:nvGrpSpPr>
+        <p:cNvPr id="1" name=""/>
+        <p:cNvGrpSpPr/>
+        <p:nvPr/>
+      </p:nvGrpSpPr>
+      <p:grpSpPr>
+        <a:xfrm>
+          <a:off x="0" y="0"/>
+          <a:ext cx="0" cy="0"/>
+          <a:chOff x="0" y="0"/>
+          <a:chExt cx="0" cy="0"/>
+        </a:xfrm>
+      </p:grpSpPr>
+      <p:sp>
+        <p:nvSpPr>
+          <p:cNvPr id="2" name="幻灯片图像占位符 1"/>
+          <p:cNvSpPr>
+            <a:spLocks noGrp="1" noRot="1" noChangeAspect="1"/>
+          </p:cNvSpPr>
+          <p:nvPr>
+            <p:ph type="sldImg"/>
+          </p:nvPr>
+        </p:nvSpPr>
+        <p:spPr/>
+      </p:sp>
+      <p:sp>
+        <p:nvSpPr>
+          <p:cNvPr id="3" name="备注占位符 2"/>
+          <p:cNvSpPr>
+            <a:spLocks noGrp="1"/>
+          </p:cNvSpPr>
+          <p:nvPr>
+            <p:ph type="body" idx="1"/>
+          </p:nvPr>
+        </p:nvSpPr>
+        <p:spPr/>
+        <p:txBody>
+          <a:bodyPr/>
+          <a:lstStyle/>
+          <a:p>
+            <a:r>
+              <a:rPr lang="zh-CN" altLang="en-US" dirty="0" smtClean="0"/>
+              <a:t>尊敬的各位领导大家好， 我今天来给大家分享一下，我们公司 在应用通用软件开发平台中的</a:t>
+            </a:r>
+            <a:r>
+              <a:rPr lang="en-US" altLang="zh-CN" dirty="0" smtClean="0"/>
+              <a:t>Rational Software Architect</a:t>
+            </a:r>
+            <a:r>
+              <a:rPr lang="zh-CN" altLang="en-US" dirty="0" smtClean="0"/>
+              <a:t>的一些新的体会。 我首先做一下自我介绍，我姓张名晨，目前在泰兰特电子科技有限公司从事软件设计与开发的工作。主要针对于。</a:t>
+            </a:r>
+            <a:r>
+              <a:rPr lang="en-US" altLang="zh-CN" dirty="0" smtClean="0"/>
+              <a:t>Net</a:t>
+            </a:r>
+            <a:r>
+              <a:rPr lang="zh-CN" altLang="en-US" dirty="0" smtClean="0"/>
+              <a:t>平台的网络与桌面开发。我们公司于</a:t>
+            </a:r>
+            <a:r>
+              <a:rPr lang="en-US" altLang="zh-CN" dirty="0" smtClean="0"/>
+              <a:t>2009</a:t>
+            </a:r>
+            <a:r>
+              <a:rPr lang="zh-CN" altLang="en-US" dirty="0" smtClean="0"/>
+              <a:t>年成立，主要从事软硬件开发，产品包括医疗信息化系统，消毒供应室管理系统，智能电动车锁等。从去年下半年到年底</a:t>
+            </a:r>
+            <a:r>
+              <a:rPr lang="zh-CN" altLang="en-US" baseline="0" dirty="0" smtClean="0"/>
+              <a:t> 园区开始推广</a:t>
+            </a:r>
+            <a:r>
+              <a:rPr lang="en-US" altLang="zh-CN" baseline="0" dirty="0" smtClean="0"/>
+              <a:t>Rational</a:t>
+            </a:r>
+            <a:r>
+              <a:rPr lang="zh-CN" altLang="en-US" baseline="0" dirty="0" smtClean="0"/>
+              <a:t>软件开发平台，我们有幸成为第一批用户，通过这个平台我们也进行了一两个项目。有一些经验和心得体会。</a:t>
+            </a:r>
+            <a:endParaRPr lang="en-US" dirty="0"/>
+          </a:p>
+        </p:txBody>
+      </p:sp>
+      <p:sp>
+        <p:nvSpPr>
+          <p:cNvPr id="4" name="灯片编号占位符 3"/>
+          <p:cNvSpPr>
+            <a:spLocks noGrp="1"/>
+          </p:cNvSpPr>
+          <p:nvPr>
+            <p:ph type="sldNum" sz="quarter" idx="10"/>
+          </p:nvPr>
+        </p:nvSpPr>
+        <p:spPr/>
+        <p:txBody>
+          <a:bodyPr/>
+          <a:lstStyle/>
+          <a:p>
+            <a:fld id="{5B0AA916-7E6A-41E5-8FFA-F7F72295C017}" type="slidenum">
+              <a:rPr lang="zh-CN" altLang="en-US" smtClean="0"/>
+              <a:t>2</a:t>
+            </a:fld>
+            <a:endParaRPr lang="zh-CN" altLang="en-US"/>
+          </a:p>
+        </p:txBody>
+      </p:sp>
+    </p:spTree>
+    <p:extLst>
+      <p:ext uri="{BB962C8B-B14F-4D97-AF65-F5344CB8AC3E}">
+        <p14:creationId xmlns:p14="http://schemas.microsoft.com/office/powerpoint/2010/main" val="230835773"/>
+      </p:ext>
+    </p:extLst>
+  </p:cSld>
+  <p:clrMapOvr>
+    <a:masterClrMapping/>
+  </p:clrMapOvr>
+</p:notes>
+</file>
+
+<file path=ppt/notesSlides/notesSlide3.xml><?xml version="1.0" encoding="utf-8"?>
+<p:notes xmlns:a="http://schemas.openxmlformats.org/drawingml/2006/main" xmlns:r="http://schemas.openxmlformats.org/officeDocument/2006/relationships" xmlns:p="http://schemas.openxmlformats.org/presentationml/2006/main">
+  <p:cSld>
+    <p:spTree>
+      <p:nvGrpSpPr>
+        <p:cNvPr id="1" name=""/>
+        <p:cNvGrpSpPr/>
+        <p:nvPr/>
+      </p:nvGrpSpPr>
+      <p:grpSpPr>
+        <a:xfrm>
+          <a:off x="0" y="0"/>
+          <a:ext cx="0" cy="0"/>
+          <a:chOff x="0" y="0"/>
+          <a:chExt cx="0" cy="0"/>
+        </a:xfrm>
+      </p:grpSpPr>
+      <p:sp>
+        <p:nvSpPr>
+          <p:cNvPr id="2" name="幻灯片图像占位符 1"/>
+          <p:cNvSpPr>
+            <a:spLocks noGrp="1" noRot="1" noChangeAspect="1"/>
+          </p:cNvSpPr>
+          <p:nvPr>
+            <p:ph type="sldImg"/>
+          </p:nvPr>
+        </p:nvSpPr>
+        <p:spPr/>
+      </p:sp>
+      <p:sp>
+        <p:nvSpPr>
+          <p:cNvPr id="3" name="备注占位符 2"/>
+          <p:cNvSpPr>
+            <a:spLocks noGrp="1"/>
+          </p:cNvSpPr>
+          <p:nvPr>
+            <p:ph type="body" idx="1"/>
+          </p:nvPr>
+        </p:nvSpPr>
+        <p:spPr/>
+        <p:txBody>
+          <a:bodyPr/>
+          <a:lstStyle/>
+          <a:p>
+            <a:r>
+              <a:rPr lang="zh-CN" altLang="en-US" dirty="0" smtClean="0"/>
+              <a:t>首先我来介绍一下</a:t>
+            </a:r>
+            <a:r>
+              <a:rPr lang="en-US" altLang="zh-CN" dirty="0" smtClean="0"/>
+              <a:t>rational</a:t>
+            </a:r>
+            <a:r>
+              <a:rPr lang="zh-CN" altLang="en-US" dirty="0" smtClean="0"/>
+              <a:t>这个软件   </a:t>
+            </a:r>
+            <a:r>
+              <a:rPr lang="en-US" altLang="zh-CN" dirty="0" smtClean="0"/>
+              <a:t>Rational</a:t>
+            </a:r>
+            <a:r>
+              <a:rPr lang="zh-CN" altLang="en-US" dirty="0" smtClean="0"/>
+              <a:t>是</a:t>
+            </a:r>
+            <a:r>
+              <a:rPr lang="en-US" altLang="zh-CN" dirty="0" smtClean="0"/>
+              <a:t>IBM</a:t>
+            </a:r>
+            <a:r>
+              <a:rPr lang="zh-CN" altLang="en-US" dirty="0" smtClean="0"/>
+              <a:t>五大软件产品线之一。</a:t>
+            </a:r>
+            <a:r>
+              <a:rPr lang="en-US" altLang="zh-CN" dirty="0" smtClean="0"/>
+              <a:t>IBM</a:t>
+            </a:r>
+            <a:r>
+              <a:rPr lang="zh-CN" altLang="en-US" dirty="0" smtClean="0"/>
+              <a:t>主要提供商用的的基础软件，主要包括数据库</a:t>
+            </a:r>
+            <a:r>
+              <a:rPr lang="en-US" altLang="zh-CN" dirty="0" smtClean="0"/>
+              <a:t>DB2</a:t>
+            </a:r>
+            <a:r>
+              <a:rPr lang="zh-CN" altLang="en-US" dirty="0" smtClean="0"/>
+              <a:t>，网站集成的</a:t>
+            </a:r>
+            <a:r>
+              <a:rPr lang="en-US" altLang="zh-CN" dirty="0" smtClean="0"/>
+              <a:t>WebSphere</a:t>
+            </a:r>
+            <a:r>
+              <a:rPr lang="zh-CN" altLang="en-US" dirty="0" smtClean="0"/>
+              <a:t>，企业邮件系统</a:t>
+            </a:r>
+            <a:r>
+              <a:rPr lang="en-US" altLang="zh-CN" dirty="0" smtClean="0"/>
+              <a:t>Lotus</a:t>
+            </a:r>
+            <a:r>
+              <a:rPr lang="zh-CN" altLang="en-US" dirty="0" smtClean="0"/>
+              <a:t>，企业</a:t>
+            </a:r>
+            <a:r>
+              <a:rPr lang="en-US" altLang="zh-CN" dirty="0" smtClean="0"/>
+              <a:t>IT</a:t>
+            </a:r>
+            <a:r>
+              <a:rPr lang="zh-CN" altLang="en-US" dirty="0" smtClean="0"/>
+              <a:t>管理系统</a:t>
+            </a:r>
+            <a:r>
+              <a:rPr lang="en-US" altLang="zh-CN" dirty="0" smtClean="0"/>
+              <a:t>Tivoli</a:t>
+            </a:r>
+            <a:r>
+              <a:rPr lang="zh-CN" altLang="en-US" dirty="0" smtClean="0"/>
+              <a:t>。以及软件开发平台</a:t>
+            </a:r>
+            <a:r>
+              <a:rPr lang="en-US" altLang="zh-CN" dirty="0" smtClean="0"/>
+              <a:t>Rational</a:t>
+            </a:r>
+            <a:r>
+              <a:rPr lang="zh-CN" altLang="en-US" dirty="0" smtClean="0"/>
+              <a:t>。而</a:t>
+            </a:r>
+            <a:r>
+              <a:rPr lang="en-US" altLang="zh-CN" dirty="0" smtClean="0"/>
+              <a:t>Rational</a:t>
+            </a:r>
+            <a:r>
+              <a:rPr lang="zh-CN" altLang="en-US" dirty="0" smtClean="0"/>
+              <a:t>中最为核心的软件，就是</a:t>
+            </a:r>
+            <a:r>
+              <a:rPr lang="en-US" altLang="zh-CN" dirty="0" smtClean="0"/>
+              <a:t>RSA </a:t>
+            </a:r>
+            <a:r>
+              <a:rPr lang="zh-CN" altLang="en-US" dirty="0" smtClean="0"/>
+              <a:t>。</a:t>
+            </a:r>
+            <a:r>
+              <a:rPr lang="en-US" altLang="zh-CN" dirty="0" smtClean="0"/>
+              <a:t>RSA</a:t>
+            </a:r>
+            <a:r>
+              <a:rPr lang="zh-CN" altLang="en-US" dirty="0" smtClean="0"/>
+              <a:t>体现的是</a:t>
+            </a:r>
+            <a:r>
+              <a:rPr lang="en-US" altLang="zh-CN" dirty="0" smtClean="0"/>
+              <a:t>Rational</a:t>
+            </a:r>
+            <a:r>
+              <a:rPr lang="zh-CN" altLang="en-US" dirty="0" smtClean="0"/>
+              <a:t>的核心功能，软件设计功能。</a:t>
+            </a:r>
+            <a:endParaRPr lang="en-US" altLang="zh-CN" dirty="0" smtClean="0"/>
+          </a:p>
+        </p:txBody>
+      </p:sp>
+      <p:sp>
+        <p:nvSpPr>
+          <p:cNvPr id="4" name="灯片编号占位符 3"/>
+          <p:cNvSpPr>
+            <a:spLocks noGrp="1"/>
+          </p:cNvSpPr>
+          <p:nvPr>
+            <p:ph type="sldNum" sz="quarter" idx="10"/>
+          </p:nvPr>
+        </p:nvSpPr>
+        <p:spPr/>
+        <p:txBody>
+          <a:bodyPr/>
+          <a:lstStyle/>
+          <a:p>
+            <a:fld id="{5B0AA916-7E6A-41E5-8FFA-F7F72295C017}" type="slidenum">
+              <a:rPr lang="zh-CN" altLang="en-US" smtClean="0"/>
+              <a:t>3</a:t>
+            </a:fld>
+            <a:endParaRPr lang="zh-CN" altLang="en-US"/>
+          </a:p>
+        </p:txBody>
+      </p:sp>
+    </p:spTree>
+    <p:extLst>
+      <p:ext uri="{BB962C8B-B14F-4D97-AF65-F5344CB8AC3E}">
+        <p14:creationId xmlns:p14="http://schemas.microsoft.com/office/powerpoint/2010/main" val="783825284"/>
+      </p:ext>
+    </p:extLst>
+  </p:cSld>
+  <p:clrMapOvr>
+    <a:masterClrMapping/>
+  </p:clrMapOvr>
+</p:notes>
+</file>
+
+<file path=ppt/notesSlides/notesSlide4.xml><?xml version="1.0" encoding="utf-8"?>
+<p:notes xmlns:a="http://schemas.openxmlformats.org/drawingml/2006/main" xmlns:r="http://schemas.openxmlformats.org/officeDocument/2006/relationships" xmlns:p="http://schemas.openxmlformats.org/presentationml/2006/main">
+  <p:cSld>
+    <p:spTree>
+      <p:nvGrpSpPr>
+        <p:cNvPr id="1" name=""/>
+        <p:cNvGrpSpPr/>
+        <p:nvPr/>
+      </p:nvGrpSpPr>
+      <p:grpSpPr>
+        <a:xfrm>
+          <a:off x="0" y="0"/>
+          <a:ext cx="0" cy="0"/>
+          <a:chOff x="0" y="0"/>
+          <a:chExt cx="0" cy="0"/>
+        </a:xfrm>
+      </p:grpSpPr>
+      <p:sp>
+        <p:nvSpPr>
+          <p:cNvPr id="2" name="幻灯片图像占位符 1"/>
+          <p:cNvSpPr>
+            <a:spLocks noGrp="1" noRot="1" noChangeAspect="1"/>
+          </p:cNvSpPr>
+          <p:nvPr>
+            <p:ph type="sldImg"/>
+          </p:nvPr>
+        </p:nvSpPr>
+        <p:spPr/>
+      </p:sp>
+      <p:sp>
+        <p:nvSpPr>
+          <p:cNvPr id="3" name="备注占位符 2"/>
+          <p:cNvSpPr>
+            <a:spLocks noGrp="1"/>
+          </p:cNvSpPr>
+          <p:nvPr>
+            <p:ph type="body" idx="1"/>
+          </p:nvPr>
+        </p:nvSpPr>
+        <p:spPr/>
+        <p:txBody>
+          <a:bodyPr/>
+          <a:lstStyle/>
+          <a:p>
+            <a:r>
+              <a:rPr lang="zh-CN" altLang="en-US" dirty="0" smtClean="0"/>
+              <a:t>软件设计是一个学术性很强的领域，在这个领域有多种学说和方法论，最早的有瀑布模型 </a:t>
+            </a:r>
+            <a:r>
+              <a:rPr lang="en-US" altLang="zh-CN" dirty="0" smtClean="0"/>
+              <a:t>CMMI</a:t>
+            </a:r>
+            <a:r>
+              <a:rPr lang="zh-CN" altLang="en-US" dirty="0" smtClean="0"/>
+              <a:t>模型，现在比较新的有敏捷开发 极限编程，但是其中最著名的就是</a:t>
+            </a:r>
+            <a:r>
+              <a:rPr lang="en-US" altLang="zh-CN" dirty="0" smtClean="0"/>
+              <a:t>Rational</a:t>
+            </a:r>
+            <a:r>
+              <a:rPr lang="zh-CN" altLang="en-US" dirty="0" smtClean="0"/>
+              <a:t>所倡导</a:t>
+            </a:r>
+            <a:r>
+              <a:rPr lang="zh-CN" altLang="en-US" dirty="0" smtClean="0"/>
+              <a:t>的统一开发过程</a:t>
+            </a:r>
+            <a:r>
+              <a:rPr lang="en-US" altLang="zh-CN" dirty="0" smtClean="0"/>
+              <a:t>RUP  RSA</a:t>
+            </a:r>
+            <a:r>
+              <a:rPr lang="zh-CN" altLang="en-US" dirty="0" smtClean="0"/>
+              <a:t>的核心优势在于</a:t>
+            </a:r>
+            <a:r>
+              <a:rPr lang="en-US" altLang="zh-CN" dirty="0" smtClean="0"/>
+              <a:t>Rational</a:t>
+            </a:r>
+            <a:r>
+              <a:rPr lang="zh-CN" altLang="en-US" dirty="0" smtClean="0"/>
+              <a:t>可以</a:t>
+            </a:r>
+            <a:r>
+              <a:rPr lang="en-US" altLang="zh-CN" dirty="0" smtClean="0"/>
+              <a:t>RUP</a:t>
+            </a:r>
+            <a:r>
+              <a:rPr lang="zh-CN" altLang="en-US" dirty="0" smtClean="0"/>
+              <a:t>过程相结合，并且体现出</a:t>
+            </a:r>
+            <a:r>
+              <a:rPr lang="en-US" altLang="zh-CN" dirty="0" smtClean="0"/>
+              <a:t>RUP</a:t>
+            </a:r>
+            <a:r>
+              <a:rPr lang="zh-CN" altLang="en-US" dirty="0" smtClean="0"/>
+              <a:t>的核心理念。</a:t>
+            </a:r>
+            <a:r>
+              <a:rPr lang="en-US" sz="1200" b="0" i="0" kern="1200" dirty="0" smtClean="0">
+                <a:solidFill>
+                  <a:schemeClr val="tx1"/>
+                </a:solidFill>
+                <a:effectLst/>
+                <a:latin typeface="+mn-lt"/>
+                <a:ea typeface="+mn-ea"/>
+                <a:cs typeface="+mn-cs"/>
+              </a:rPr>
+              <a:t>RUP）</a:t>
+            </a:r>
+            <a:r>
+              <a:rPr lang="zh-CN" altLang="en-US" sz="1200" b="0" i="0" kern="1200" dirty="0" smtClean="0">
+                <a:solidFill>
+                  <a:schemeClr val="tx1"/>
+                </a:solidFill>
+                <a:effectLst/>
+                <a:latin typeface="+mn-lt"/>
+                <a:ea typeface="+mn-ea"/>
+                <a:cs typeface="+mn-cs"/>
+              </a:rPr>
+              <a:t>是，它可以为所有方面和层次的程序开发提供指导方针，最近兴起的极限编程，和敏捷软件开发都可以看做是从</a:t>
+            </a:r>
+            <a:r>
+              <a:rPr lang="en-US" altLang="zh-CN" sz="1200" b="0" i="0" kern="1200" dirty="0" smtClean="0">
+                <a:solidFill>
+                  <a:schemeClr val="tx1"/>
+                </a:solidFill>
+                <a:effectLst/>
+                <a:latin typeface="+mn-lt"/>
+                <a:ea typeface="+mn-ea"/>
+                <a:cs typeface="+mn-cs"/>
+              </a:rPr>
+              <a:t>RUP</a:t>
+            </a:r>
+            <a:r>
+              <a:rPr lang="zh-CN" altLang="en-US" sz="1200" b="0" i="0" kern="1200" dirty="0" smtClean="0">
+                <a:solidFill>
+                  <a:schemeClr val="tx1"/>
+                </a:solidFill>
+                <a:effectLst/>
+                <a:latin typeface="+mn-lt"/>
+                <a:ea typeface="+mn-ea"/>
+                <a:cs typeface="+mn-cs"/>
+              </a:rPr>
+              <a:t>过程演化出的编程方法。 </a:t>
+            </a:r>
+            <a:r>
+              <a:rPr lang="en-US" altLang="zh-CN" sz="1200" b="0" i="0" kern="1200" dirty="0" smtClean="0">
+                <a:solidFill>
+                  <a:schemeClr val="tx1"/>
+                </a:solidFill>
+                <a:effectLst/>
+                <a:latin typeface="+mn-lt"/>
+                <a:ea typeface="+mn-ea"/>
+                <a:cs typeface="+mn-cs"/>
+              </a:rPr>
+              <a:t>RUP</a:t>
+            </a:r>
+            <a:r>
+              <a:rPr lang="zh-CN" altLang="en-US" sz="1200" b="0" i="0" kern="1200" dirty="0" smtClean="0">
+                <a:solidFill>
+                  <a:schemeClr val="tx1"/>
+                </a:solidFill>
+                <a:effectLst/>
+                <a:latin typeface="+mn-lt"/>
+                <a:ea typeface="+mn-ea"/>
+                <a:cs typeface="+mn-cs"/>
+              </a:rPr>
+              <a:t>的核心理念是 </a:t>
+            </a:r>
+            <a:r>
+              <a:rPr lang="en-US" altLang="zh-CN" sz="1200" b="0" i="0" kern="1200" dirty="0" smtClean="0">
+                <a:solidFill>
+                  <a:schemeClr val="tx1"/>
+                </a:solidFill>
+                <a:effectLst/>
+                <a:latin typeface="+mn-lt"/>
+                <a:ea typeface="+mn-ea"/>
+                <a:cs typeface="+mn-cs"/>
+              </a:rPr>
+              <a:t>1</a:t>
+            </a:r>
+            <a:r>
+              <a:rPr lang="zh-CN" altLang="en-US" sz="1200" b="0" i="0" kern="1200" dirty="0" smtClean="0">
+                <a:solidFill>
+                  <a:schemeClr val="tx1"/>
+                </a:solidFill>
+                <a:effectLst/>
+                <a:latin typeface="+mn-lt"/>
+                <a:ea typeface="+mn-ea"/>
+                <a:cs typeface="+mn-cs"/>
+              </a:rPr>
+              <a:t>）软件开发是一个迭代过程，</a:t>
+            </a:r>
+            <a:r>
+              <a:rPr lang="en-US" altLang="zh-CN" sz="1200" b="0" i="0" kern="1200" dirty="0" smtClean="0">
+                <a:solidFill>
+                  <a:schemeClr val="tx1"/>
+                </a:solidFill>
+                <a:effectLst/>
+                <a:latin typeface="+mn-lt"/>
+                <a:ea typeface="+mn-ea"/>
+                <a:cs typeface="+mn-cs"/>
+              </a:rPr>
+              <a:t>2</a:t>
+            </a:r>
+            <a:r>
+              <a:rPr lang="zh-CN" altLang="en-US" sz="1200" b="0" i="0" kern="1200" dirty="0" smtClean="0">
+                <a:solidFill>
+                  <a:schemeClr val="tx1"/>
+                </a:solidFill>
+                <a:effectLst/>
+                <a:latin typeface="+mn-lt"/>
+                <a:ea typeface="+mn-ea"/>
+                <a:cs typeface="+mn-cs"/>
+              </a:rPr>
+              <a:t>）软件开发是由</a:t>
+            </a:r>
+            <a:r>
+              <a:rPr lang="en-US" altLang="zh-CN" sz="1200" b="0" i="0" kern="1200" dirty="0" smtClean="0">
+                <a:solidFill>
+                  <a:schemeClr val="tx1"/>
+                </a:solidFill>
+                <a:effectLst/>
+                <a:latin typeface="+mn-lt"/>
+                <a:ea typeface="+mn-ea"/>
+                <a:cs typeface="+mn-cs"/>
+              </a:rPr>
+              <a:t>Use Case</a:t>
+            </a:r>
+            <a:r>
+              <a:rPr lang="zh-CN" altLang="en-US" sz="1200" b="0" i="0" kern="1200" dirty="0" smtClean="0">
+                <a:solidFill>
+                  <a:schemeClr val="tx1"/>
+                </a:solidFill>
+                <a:effectLst/>
+                <a:latin typeface="+mn-lt"/>
+                <a:ea typeface="+mn-ea"/>
+                <a:cs typeface="+mn-cs"/>
+              </a:rPr>
+              <a:t>驱动的，</a:t>
+            </a:r>
+            <a:r>
+              <a:rPr lang="en-US" altLang="zh-CN" sz="1200" b="0" i="0" kern="1200" dirty="0" smtClean="0">
+                <a:solidFill>
+                  <a:schemeClr val="tx1"/>
+                </a:solidFill>
+                <a:effectLst/>
+                <a:latin typeface="+mn-lt"/>
+                <a:ea typeface="+mn-ea"/>
+                <a:cs typeface="+mn-cs"/>
+              </a:rPr>
+              <a:t>3</a:t>
+            </a:r>
+            <a:r>
+              <a:rPr lang="zh-CN" altLang="en-US" sz="1200" b="0" i="0" kern="1200" dirty="0" smtClean="0">
+                <a:solidFill>
+                  <a:schemeClr val="tx1"/>
+                </a:solidFill>
+                <a:effectLst/>
+                <a:latin typeface="+mn-lt"/>
+                <a:ea typeface="+mn-ea"/>
+                <a:cs typeface="+mn-cs"/>
+              </a:rPr>
+              <a:t>）软件开发是以架构设计（</a:t>
+            </a:r>
+            <a:r>
+              <a:rPr lang="en-US" altLang="zh-CN" sz="1200" b="0" i="0" kern="1200" dirty="0" smtClean="0">
+                <a:solidFill>
+                  <a:schemeClr val="tx1"/>
+                </a:solidFill>
+                <a:effectLst/>
+                <a:latin typeface="+mn-lt"/>
+                <a:ea typeface="+mn-ea"/>
+                <a:cs typeface="+mn-cs"/>
+              </a:rPr>
+              <a:t>Architectural Design</a:t>
+            </a:r>
+            <a:r>
+              <a:rPr lang="zh-CN" altLang="en-US" sz="1200" b="0" i="0" kern="1200" dirty="0" smtClean="0">
+                <a:solidFill>
+                  <a:schemeClr val="tx1"/>
+                </a:solidFill>
+                <a:effectLst/>
+                <a:latin typeface="+mn-lt"/>
+                <a:ea typeface="+mn-ea"/>
+                <a:cs typeface="+mn-cs"/>
+              </a:rPr>
+              <a:t>）为中心的。</a:t>
+            </a:r>
+            <a:endParaRPr lang="en-US" altLang="zh-CN" dirty="0" smtClean="0"/>
+          </a:p>
+          <a:p>
+            <a:endParaRPr lang="en-US" dirty="0"/>
+          </a:p>
+        </p:txBody>
+      </p:sp>
+      <p:sp>
+        <p:nvSpPr>
+          <p:cNvPr id="4" name="灯片编号占位符 3"/>
+          <p:cNvSpPr>
+            <a:spLocks noGrp="1"/>
+          </p:cNvSpPr>
+          <p:nvPr>
+            <p:ph type="sldNum" sz="quarter" idx="10"/>
+          </p:nvPr>
+        </p:nvSpPr>
+        <p:spPr/>
+        <p:txBody>
+          <a:bodyPr/>
+          <a:lstStyle/>
+          <a:p>
+            <a:fld id="{5B0AA916-7E6A-41E5-8FFA-F7F72295C017}" type="slidenum">
+              <a:rPr lang="zh-CN" altLang="en-US" smtClean="0"/>
+              <a:t>4</a:t>
+            </a:fld>
+            <a:endParaRPr lang="zh-CN" altLang="en-US"/>
+          </a:p>
+        </p:txBody>
+      </p:sp>
+    </p:spTree>
+    <p:extLst>
+      <p:ext uri="{BB962C8B-B14F-4D97-AF65-F5344CB8AC3E}">
+        <p14:creationId xmlns:p14="http://schemas.microsoft.com/office/powerpoint/2010/main" val="790796810"/>
+      </p:ext>
+    </p:extLst>
+  </p:cSld>
+  <p:clrMapOvr>
+    <a:masterClrMapping/>
+  </p:clrMapOvr>
+</p:notes>
+</file>
+
+<file path=ppt/notesSlides/notesSlide5.xml><?xml version="1.0" encoding="utf-8"?>
+<p:notes xmlns:a="http://schemas.openxmlformats.org/drawingml/2006/main" xmlns:r="http://schemas.openxmlformats.org/officeDocument/2006/relationships" xmlns:p="http://schemas.openxmlformats.org/presentationml/2006/main">
+  <p:cSld>
+    <p:spTree>
+      <p:nvGrpSpPr>
+        <p:cNvPr id="1" name=""/>
+        <p:cNvGrpSpPr/>
+        <p:nvPr/>
+      </p:nvGrpSpPr>
+      <p:grpSpPr>
+        <a:xfrm>
+          <a:off x="0" y="0"/>
+          <a:ext cx="0" cy="0"/>
+          <a:chOff x="0" y="0"/>
+          <a:chExt cx="0" cy="0"/>
+        </a:xfrm>
+      </p:grpSpPr>
+      <p:sp>
+        <p:nvSpPr>
+          <p:cNvPr id="2" name="幻灯片图像占位符 1"/>
+          <p:cNvSpPr>
+            <a:spLocks noGrp="1" noRot="1" noChangeAspect="1"/>
+          </p:cNvSpPr>
+          <p:nvPr>
+            <p:ph type="sldImg"/>
+          </p:nvPr>
+        </p:nvSpPr>
+        <p:spPr/>
+      </p:sp>
+      <p:sp>
+        <p:nvSpPr>
+          <p:cNvPr id="3" name="备注占位符 2"/>
+          <p:cNvSpPr>
+            <a:spLocks noGrp="1"/>
+          </p:cNvSpPr>
+          <p:nvPr>
+            <p:ph type="body" idx="1"/>
+          </p:nvPr>
+        </p:nvSpPr>
+        <p:spPr/>
+        <p:txBody>
+          <a:bodyPr/>
+          <a:lstStyle/>
+          <a:p>
+            <a:pPr marL="0" marR="0" indent="0" algn="l" defTabSz="914400" rtl="0" eaLnBrk="1" fontAlgn="auto" latinLnBrk="0" hangingPunct="1">
+              <a:lnSpc>
+                <a:spcPct val="100000"/>
+              </a:lnSpc>
+              <a:spcBef>
+                <a:spcPts val="0"/>
+              </a:spcBef>
+              <a:spcAft>
+                <a:spcPts val="0"/>
+              </a:spcAft>
+              <a:buClrTx/>
+              <a:buSzTx/>
+              <a:buFontTx/>
+              <a:buNone/>
+              <a:tabLst/>
+              <a:defRPr/>
+            </a:pPr>
+            <a:r>
+              <a:rPr lang="zh-CN" altLang="en-US" dirty="0" smtClean="0"/>
+              <a:t>在</a:t>
+            </a:r>
+            <a:r>
+              <a:rPr lang="en-US" altLang="zh-CN" dirty="0" smtClean="0"/>
+              <a:t>RSA</a:t>
+            </a:r>
+            <a:r>
+              <a:rPr lang="zh-CN" altLang="en-US" dirty="0" smtClean="0"/>
+              <a:t>中，</a:t>
+            </a:r>
+            <a:r>
+              <a:rPr lang="en-US" altLang="zh-CN" dirty="0" smtClean="0"/>
+              <a:t>RUP</a:t>
+            </a:r>
+            <a:r>
+              <a:rPr lang="zh-CN" altLang="en-US" dirty="0" smtClean="0"/>
+              <a:t>过程主要体现在三个层面上，一个是业务模型层面。在业务模型层面，</a:t>
+            </a:r>
+            <a:r>
+              <a:rPr lang="en-US" altLang="zh-CN" dirty="0" smtClean="0"/>
+              <a:t>RSA</a:t>
+            </a:r>
+            <a:r>
+              <a:rPr lang="zh-CN" altLang="en-US" dirty="0" smtClean="0"/>
+              <a:t>支持构造各种用例图，来描绘系统使用的各个场景。这个对应</a:t>
+            </a:r>
+            <a:r>
+              <a:rPr lang="en-US" altLang="zh-CN" dirty="0" smtClean="0"/>
+              <a:t>RUP</a:t>
+            </a:r>
+            <a:r>
+              <a:rPr lang="zh-CN" altLang="en-US" dirty="0" smtClean="0"/>
+              <a:t>过程的先启阶段，在</a:t>
+            </a:r>
+            <a:r>
+              <a:rPr lang="en-US" altLang="zh-CN" dirty="0" smtClean="0"/>
+              <a:t>RSA</a:t>
+            </a:r>
+            <a:r>
+              <a:rPr lang="zh-CN" altLang="en-US" dirty="0" smtClean="0"/>
+              <a:t>中设计出用例图之后，通过对用例图的分析，在</a:t>
+            </a:r>
+            <a:r>
+              <a:rPr lang="en-US" altLang="zh-CN" dirty="0" smtClean="0"/>
+              <a:t>RSA</a:t>
+            </a:r>
+            <a:r>
+              <a:rPr lang="zh-CN" altLang="en-US" dirty="0" smtClean="0"/>
+              <a:t>构建出概念模型，对应</a:t>
+            </a:r>
+            <a:r>
+              <a:rPr lang="en-US" altLang="zh-CN" dirty="0" smtClean="0"/>
+              <a:t>RUP</a:t>
+            </a:r>
+            <a:r>
+              <a:rPr lang="zh-CN" altLang="en-US" dirty="0" smtClean="0"/>
+              <a:t>过程中的细化阶段，有了概念模型之后，通过对概念建模，在</a:t>
+            </a:r>
+            <a:r>
+              <a:rPr lang="en-US" altLang="zh-CN" dirty="0" smtClean="0"/>
+              <a:t>RSA</a:t>
+            </a:r>
+            <a:r>
+              <a:rPr lang="zh-CN" altLang="en-US" dirty="0" smtClean="0"/>
+              <a:t>中设计出类图，这个就是设计模型。对应</a:t>
+            </a:r>
+            <a:r>
+              <a:rPr lang="en-US" altLang="zh-CN" dirty="0" smtClean="0"/>
+              <a:t>RUP</a:t>
+            </a:r>
+            <a:r>
+              <a:rPr lang="zh-CN" altLang="en-US" dirty="0" smtClean="0"/>
+              <a:t>过程中的构建阶段。</a:t>
+            </a:r>
+            <a:endParaRPr lang="en-US" dirty="0" smtClean="0"/>
+          </a:p>
+          <a:p>
+            <a:endParaRPr lang="en-US" dirty="0"/>
+          </a:p>
+        </p:txBody>
+      </p:sp>
+      <p:sp>
+        <p:nvSpPr>
+          <p:cNvPr id="4" name="灯片编号占位符 3"/>
+          <p:cNvSpPr>
+            <a:spLocks noGrp="1"/>
+          </p:cNvSpPr>
+          <p:nvPr>
+            <p:ph type="sldNum" sz="quarter" idx="10"/>
+          </p:nvPr>
+        </p:nvSpPr>
+        <p:spPr/>
+        <p:txBody>
+          <a:bodyPr/>
+          <a:lstStyle/>
+          <a:p>
+            <a:fld id="{5B0AA916-7E6A-41E5-8FFA-F7F72295C017}" type="slidenum">
+              <a:rPr lang="zh-CN" altLang="en-US" smtClean="0"/>
+              <a:t>5</a:t>
+            </a:fld>
+            <a:endParaRPr lang="zh-CN" altLang="en-US"/>
+          </a:p>
+        </p:txBody>
+      </p:sp>
+    </p:spTree>
+    <p:extLst>
+      <p:ext uri="{BB962C8B-B14F-4D97-AF65-F5344CB8AC3E}">
+        <p14:creationId xmlns:p14="http://schemas.microsoft.com/office/powerpoint/2010/main" val="1564869244"/>
+      </p:ext>
+    </p:extLst>
+  </p:cSld>
+  <p:clrMapOvr>
+    <a:masterClrMapping/>
+  </p:clrMapOvr>
+</p:notes>
+</file>
+
+<file path=ppt/notesSlides/notesSlide6.xml><?xml version="1.0" encoding="utf-8"?>
+<p:notes xmlns:a="http://schemas.openxmlformats.org/drawingml/2006/main" xmlns:r="http://schemas.openxmlformats.org/officeDocument/2006/relationships" xmlns:p="http://schemas.openxmlformats.org/presentationml/2006/main">
+  <p:cSld>
+    <p:spTree>
+      <p:nvGrpSpPr>
+        <p:cNvPr id="1" name=""/>
+        <p:cNvGrpSpPr/>
+        <p:nvPr/>
+      </p:nvGrpSpPr>
+      <p:grpSpPr>
+        <a:xfrm>
+          <a:off x="0" y="0"/>
+          <a:ext cx="0" cy="0"/>
+          <a:chOff x="0" y="0"/>
+          <a:chExt cx="0" cy="0"/>
+        </a:xfrm>
+      </p:grpSpPr>
+      <p:sp>
+        <p:nvSpPr>
+          <p:cNvPr id="2" name="幻灯片图像占位符 1"/>
+          <p:cNvSpPr>
+            <a:spLocks noGrp="1" noRot="1" noChangeAspect="1"/>
+          </p:cNvSpPr>
+          <p:nvPr>
+            <p:ph type="sldImg"/>
+          </p:nvPr>
+        </p:nvSpPr>
+        <p:spPr/>
+      </p:sp>
+      <p:sp>
+        <p:nvSpPr>
+          <p:cNvPr id="3" name="备注占位符 2"/>
+          <p:cNvSpPr>
+            <a:spLocks noGrp="1"/>
+          </p:cNvSpPr>
+          <p:nvPr>
+            <p:ph type="body" idx="1"/>
+          </p:nvPr>
+        </p:nvSpPr>
+        <p:spPr/>
+        <p:txBody>
+          <a:bodyPr/>
+          <a:lstStyle/>
+          <a:p>
+            <a:r>
+              <a:rPr lang="en-US" altLang="zh-CN" dirty="0" smtClean="0"/>
+              <a:t>RSA</a:t>
+            </a:r>
+            <a:r>
+              <a:rPr lang="zh-CN" altLang="en-US" dirty="0" smtClean="0"/>
+              <a:t>以</a:t>
+            </a:r>
+            <a:r>
+              <a:rPr lang="en-US" altLang="zh-CN" dirty="0" smtClean="0"/>
+              <a:t>RUP</a:t>
+            </a:r>
+            <a:r>
+              <a:rPr lang="zh-CN" altLang="en-US" dirty="0" smtClean="0"/>
+              <a:t>过程的基本概念为核心，可以覆盖软件开发设计的全部流程。除了设计必须的 用例模型</a:t>
+            </a:r>
+            <a:r>
+              <a:rPr lang="zh-CN" altLang="en-US" baseline="0" dirty="0" smtClean="0"/>
+              <a:t> 概念模型和设计模型之外，还支持构造部署模型，比如系统拓扑图，安装图，适合复杂产品的产品安装。也适合在一个设计项目中保存全部的设计文档</a:t>
+            </a:r>
+            <a:endParaRPr lang="en-US" dirty="0"/>
+          </a:p>
+        </p:txBody>
+      </p:sp>
+      <p:sp>
+        <p:nvSpPr>
+          <p:cNvPr id="4" name="灯片编号占位符 3"/>
+          <p:cNvSpPr>
+            <a:spLocks noGrp="1"/>
+          </p:cNvSpPr>
+          <p:nvPr>
+            <p:ph type="sldNum" sz="quarter" idx="10"/>
+          </p:nvPr>
+        </p:nvSpPr>
+        <p:spPr/>
+        <p:txBody>
+          <a:bodyPr/>
+          <a:lstStyle/>
+          <a:p>
+            <a:fld id="{5B0AA916-7E6A-41E5-8FFA-F7F72295C017}" type="slidenum">
+              <a:rPr lang="zh-CN" altLang="en-US" smtClean="0"/>
+              <a:t>6</a:t>
+            </a:fld>
+            <a:endParaRPr lang="zh-CN" altLang="en-US"/>
+          </a:p>
+        </p:txBody>
+      </p:sp>
+    </p:spTree>
+    <p:extLst>
+      <p:ext uri="{BB962C8B-B14F-4D97-AF65-F5344CB8AC3E}">
+        <p14:creationId xmlns:p14="http://schemas.microsoft.com/office/powerpoint/2010/main" val="399191719"/>
+      </p:ext>
+    </p:extLst>
+  </p:cSld>
+  <p:clrMapOvr>
+    <a:masterClrMapping/>
+  </p:clrMapOvr>
+</p:notes>
+</file>
+
+<file path=ppt/notesSlides/notesSlide7.xml><?xml version="1.0" encoding="utf-8"?>
+<p:notes xmlns:a="http://schemas.openxmlformats.org/drawingml/2006/main" xmlns:r="http://schemas.openxmlformats.org/officeDocument/2006/relationships" xmlns:p="http://schemas.openxmlformats.org/presentationml/2006/main">
+  <p:cSld>
+    <p:spTree>
+      <p:nvGrpSpPr>
+        <p:cNvPr id="1" name=""/>
+        <p:cNvGrpSpPr/>
+        <p:nvPr/>
+      </p:nvGrpSpPr>
+      <p:grpSpPr>
+        <a:xfrm>
+          <a:off x="0" y="0"/>
+          <a:ext cx="0" cy="0"/>
+          <a:chOff x="0" y="0"/>
+          <a:chExt cx="0" cy="0"/>
+        </a:xfrm>
+      </p:grpSpPr>
+      <p:sp>
+        <p:nvSpPr>
+          <p:cNvPr id="2" name="幻灯片图像占位符 1"/>
+          <p:cNvSpPr>
+            <a:spLocks noGrp="1" noRot="1" noChangeAspect="1"/>
+          </p:cNvSpPr>
+          <p:nvPr>
+            <p:ph type="sldImg"/>
+          </p:nvPr>
+        </p:nvSpPr>
+        <p:spPr/>
+      </p:sp>
+      <p:sp>
+        <p:nvSpPr>
+          <p:cNvPr id="3" name="备注占位符 2"/>
+          <p:cNvSpPr>
+            <a:spLocks noGrp="1"/>
+          </p:cNvSpPr>
+          <p:nvPr>
+            <p:ph type="body" idx="1"/>
+          </p:nvPr>
+        </p:nvSpPr>
+        <p:spPr/>
+        <p:txBody>
+          <a:bodyPr/>
+          <a:lstStyle/>
+          <a:p>
+            <a:r>
+              <a:rPr lang="en-US" altLang="zh-CN" dirty="0" smtClean="0"/>
+              <a:t>RSA</a:t>
+            </a:r>
+            <a:r>
+              <a:rPr lang="zh-CN" altLang="en-US" dirty="0" smtClean="0"/>
+              <a:t>给我们的软件开发工作带来了什么的改变？ 以往</a:t>
+            </a:r>
+            <a:r>
+              <a:rPr lang="zh-CN" altLang="en-US" dirty="0" smtClean="0"/>
+              <a:t>的软件开发过程中往往是头痛以头 脚痛医脚，先从遗留工程复制代码开始工作，久而久之代码会混乱而</a:t>
+            </a:r>
+            <a:r>
+              <a:rPr lang="zh-CN" altLang="en-US" dirty="0" smtClean="0"/>
+              <a:t>复杂，。</a:t>
+            </a:r>
+            <a:r>
+              <a:rPr lang="zh-CN" altLang="en-US" dirty="0" smtClean="0"/>
+              <a:t>维护困难，</a:t>
+            </a:r>
+            <a:r>
+              <a:rPr lang="en-US" altLang="zh-CN" dirty="0" smtClean="0"/>
+              <a:t>bug</a:t>
+            </a:r>
+            <a:r>
+              <a:rPr lang="zh-CN" altLang="en-US" dirty="0" smtClean="0"/>
+              <a:t>层出不穷</a:t>
+            </a:r>
+            <a:r>
+              <a:rPr lang="zh-CN" altLang="en-US" dirty="0" smtClean="0"/>
+              <a:t>。我们公司的项目初期也存在这一类的问题，原来员工留下的代码 新员工看不懂 搞不清  产生大量问题 修改代码</a:t>
+            </a:r>
+            <a:r>
+              <a:rPr lang="en-US" altLang="zh-CN" dirty="0" smtClean="0"/>
+              <a:t>bug</a:t>
+            </a:r>
+            <a:r>
+              <a:rPr lang="zh-CN" altLang="en-US" dirty="0" smtClean="0"/>
+              <a:t>层出不穷。</a:t>
+            </a:r>
+            <a:r>
+              <a:rPr lang="en-US" altLang="zh-CN" dirty="0" smtClean="0"/>
+              <a:t>RSA</a:t>
+            </a:r>
+            <a:r>
+              <a:rPr lang="zh-CN" altLang="en-US" dirty="0" smtClean="0"/>
+              <a:t>体现了以软件架构为核心的开发，就像一根指挥棒一样，所有的开发工作都围绕模型这个中心进行，在</a:t>
+            </a:r>
+            <a:r>
+              <a:rPr lang="zh-CN" altLang="en-US" dirty="0" smtClean="0"/>
+              <a:t>引入</a:t>
+            </a:r>
+            <a:r>
+              <a:rPr lang="en-US" altLang="zh-CN" dirty="0" smtClean="0"/>
+              <a:t>RSA</a:t>
+            </a:r>
+            <a:r>
+              <a:rPr lang="zh-CN" altLang="en-US" dirty="0" smtClean="0"/>
+              <a:t>之后，软件开发先从模型设计开始，条理清楚明白。任何软件变更与修改首先从模型上加以</a:t>
+            </a:r>
+            <a:r>
+              <a:rPr lang="zh-CN" altLang="en-US" dirty="0" smtClean="0"/>
+              <a:t>体现  也就是说 新加一个功能 首先会在设计模型上体现出来，对功能的修改，也是首先对模型进行改变，软件的结构都体现在设计模型上 清清楚楚。</a:t>
+            </a:r>
+            <a:r>
+              <a:rPr lang="zh-CN" altLang="en-US" dirty="0" smtClean="0"/>
+              <a:t>同时</a:t>
+            </a:r>
+            <a:r>
+              <a:rPr lang="en-US" altLang="zh-CN" dirty="0" smtClean="0"/>
+              <a:t>RSA</a:t>
+            </a:r>
+            <a:r>
+              <a:rPr lang="zh-CN" altLang="en-US" dirty="0" smtClean="0"/>
+              <a:t>更支持双向工程，可以由模型生成代码，也可以由代码生成模型。对于遗留项目，可以很轻松的生成对应模型，方便修改</a:t>
+            </a:r>
+            <a:r>
+              <a:rPr lang="zh-CN" altLang="en-US" dirty="0" smtClean="0"/>
+              <a:t>。这个对于开始使用的时候特别有用 很多工程早期都是只有代码 没有设计，可以通过双向工程生成软件设计模型 方便进一步的修改</a:t>
+            </a:r>
+            <a:endParaRPr lang="en-US" dirty="0"/>
+          </a:p>
+        </p:txBody>
+      </p:sp>
+      <p:sp>
+        <p:nvSpPr>
+          <p:cNvPr id="4" name="灯片编号占位符 3"/>
+          <p:cNvSpPr>
+            <a:spLocks noGrp="1"/>
+          </p:cNvSpPr>
+          <p:nvPr>
+            <p:ph type="sldNum" sz="quarter" idx="10"/>
+          </p:nvPr>
+        </p:nvSpPr>
+        <p:spPr/>
+        <p:txBody>
+          <a:bodyPr/>
+          <a:lstStyle/>
+          <a:p>
+            <a:fld id="{5B0AA916-7E6A-41E5-8FFA-F7F72295C017}" type="slidenum">
+              <a:rPr lang="zh-CN" altLang="en-US" smtClean="0"/>
+              <a:t>7</a:t>
+            </a:fld>
+            <a:endParaRPr lang="zh-CN" altLang="en-US"/>
+          </a:p>
+        </p:txBody>
+      </p:sp>
+    </p:spTree>
+    <p:extLst>
+      <p:ext uri="{BB962C8B-B14F-4D97-AF65-F5344CB8AC3E}">
+        <p14:creationId xmlns:p14="http://schemas.microsoft.com/office/powerpoint/2010/main" val="2524020796"/>
+      </p:ext>
+    </p:extLst>
+  </p:cSld>
+  <p:clrMapOvr>
+    <a:masterClrMapping/>
+  </p:clrMapOvr>
+</p:notes>
+</file>
+
+<file path=ppt/notesSlides/notesSlide8.xml><?xml version="1.0" encoding="utf-8"?>
+<p:notes xmlns:a="http://schemas.openxmlformats.org/drawingml/2006/main" xmlns:r="http://schemas.openxmlformats.org/officeDocument/2006/relationships" xmlns:p="http://schemas.openxmlformats.org/presentationml/2006/main">
+  <p:cSld>
+    <p:spTree>
+      <p:nvGrpSpPr>
+        <p:cNvPr id="1" name=""/>
+        <p:cNvGrpSpPr/>
+        <p:nvPr/>
+      </p:nvGrpSpPr>
+      <p:grpSpPr>
+        <a:xfrm>
+          <a:off x="0" y="0"/>
+          <a:ext cx="0" cy="0"/>
+          <a:chOff x="0" y="0"/>
+          <a:chExt cx="0" cy="0"/>
+        </a:xfrm>
+      </p:grpSpPr>
+      <p:sp>
+        <p:nvSpPr>
+          <p:cNvPr id="2" name="幻灯片图像占位符 1"/>
+          <p:cNvSpPr>
+            <a:spLocks noGrp="1" noRot="1" noChangeAspect="1"/>
+          </p:cNvSpPr>
+          <p:nvPr>
+            <p:ph type="sldImg"/>
+          </p:nvPr>
+        </p:nvSpPr>
+        <p:spPr/>
+      </p:sp>
+      <p:sp>
+        <p:nvSpPr>
+          <p:cNvPr id="3" name="备注占位符 2"/>
+          <p:cNvSpPr>
+            <a:spLocks noGrp="1"/>
+          </p:cNvSpPr>
+          <p:nvPr>
+            <p:ph type="body" idx="1"/>
+          </p:nvPr>
+        </p:nvSpPr>
+        <p:spPr/>
+        <p:txBody>
+          <a:bodyPr/>
+          <a:lstStyle/>
+          <a:p>
+            <a:r>
+              <a:rPr lang="en-US" altLang="zh-CN" dirty="0" smtClean="0"/>
+              <a:t>RSA</a:t>
+            </a:r>
+            <a:r>
+              <a:rPr lang="zh-CN" altLang="en-US" dirty="0" smtClean="0"/>
+              <a:t>还有</a:t>
+            </a:r>
+            <a:r>
+              <a:rPr lang="zh-CN" altLang="en-US" dirty="0" smtClean="0"/>
+              <a:t>许多先进特性优点</a:t>
+            </a:r>
+            <a:r>
+              <a:rPr lang="zh-CN" altLang="en-US" dirty="0" smtClean="0"/>
+              <a:t>。支持</a:t>
+            </a:r>
+            <a:r>
+              <a:rPr lang="en-US" altLang="zh-CN" dirty="0" smtClean="0"/>
+              <a:t>UML</a:t>
+            </a:r>
+            <a:r>
+              <a:rPr lang="zh-CN" altLang="en-US" dirty="0" smtClean="0"/>
+              <a:t>所有图。 和</a:t>
+            </a:r>
+            <a:r>
+              <a:rPr lang="en-US" altLang="zh-CN" dirty="0" smtClean="0"/>
+              <a:t>Rational</a:t>
+            </a:r>
+            <a:r>
+              <a:rPr lang="zh-CN" altLang="en-US" dirty="0" smtClean="0"/>
+              <a:t>其他软件结合，基于</a:t>
+            </a:r>
+            <a:r>
+              <a:rPr lang="en-US" altLang="zh-CN" dirty="0" smtClean="0"/>
+              <a:t>Eclipse</a:t>
+            </a:r>
+            <a:r>
+              <a:rPr lang="zh-CN" altLang="en-US" dirty="0" smtClean="0"/>
+              <a:t>，</a:t>
+            </a:r>
+            <a:r>
+              <a:rPr lang="en-US" altLang="zh-CN" dirty="0" smtClean="0"/>
+              <a:t>Eclipse</a:t>
+            </a:r>
+            <a:r>
+              <a:rPr lang="zh-CN" altLang="en-US" dirty="0" smtClean="0"/>
+              <a:t>是目前广泛使用的</a:t>
+            </a:r>
+            <a:r>
+              <a:rPr lang="en-US" altLang="zh-CN" dirty="0" smtClean="0"/>
+              <a:t>java</a:t>
+            </a:r>
+            <a:r>
+              <a:rPr lang="zh-CN" altLang="en-US" dirty="0" smtClean="0"/>
+              <a:t>语言的默认开发平台，对</a:t>
+            </a:r>
+            <a:r>
+              <a:rPr lang="en-US" altLang="zh-CN" dirty="0" smtClean="0"/>
+              <a:t>java</a:t>
+            </a:r>
+            <a:r>
+              <a:rPr lang="zh-CN" altLang="en-US" dirty="0" smtClean="0"/>
+              <a:t>有了解的设计人员对</a:t>
+            </a:r>
+            <a:r>
+              <a:rPr lang="en-US" altLang="zh-CN" dirty="0" err="1" smtClean="0"/>
+              <a:t>rsa</a:t>
+            </a:r>
+            <a:r>
+              <a:rPr lang="zh-CN" altLang="en-US" dirty="0" smtClean="0"/>
+              <a:t>的使用都能轻易上手，易学易用。和</a:t>
+            </a:r>
+            <a:r>
+              <a:rPr lang="en-US" altLang="zh-CN" dirty="0" smtClean="0"/>
+              <a:t>Rational</a:t>
+            </a:r>
+            <a:r>
+              <a:rPr lang="zh-CN" altLang="en-US" dirty="0" smtClean="0"/>
+              <a:t>的其他软件结合紧密，支持</a:t>
+            </a:r>
+            <a:r>
+              <a:rPr lang="en-US" altLang="zh-CN" dirty="0" smtClean="0"/>
+              <a:t>Rose</a:t>
+            </a:r>
+            <a:r>
+              <a:rPr lang="zh-CN" altLang="en-US" dirty="0" smtClean="0"/>
+              <a:t>的升级。</a:t>
+            </a:r>
+            <a:endParaRPr lang="en-US" dirty="0"/>
+          </a:p>
+        </p:txBody>
+      </p:sp>
+      <p:sp>
+        <p:nvSpPr>
+          <p:cNvPr id="4" name="灯片编号占位符 3"/>
+          <p:cNvSpPr>
+            <a:spLocks noGrp="1"/>
+          </p:cNvSpPr>
+          <p:nvPr>
+            <p:ph type="sldNum" sz="quarter" idx="10"/>
+          </p:nvPr>
+        </p:nvSpPr>
+        <p:spPr/>
+        <p:txBody>
+          <a:bodyPr/>
+          <a:lstStyle/>
+          <a:p>
+            <a:fld id="{5B0AA916-7E6A-41E5-8FFA-F7F72295C017}" type="slidenum">
+              <a:rPr lang="zh-CN" altLang="en-US" smtClean="0"/>
+              <a:t>8</a:t>
+            </a:fld>
+            <a:endParaRPr lang="zh-CN" altLang="en-US"/>
+          </a:p>
+        </p:txBody>
+      </p:sp>
+    </p:spTree>
+    <p:extLst>
+      <p:ext uri="{BB962C8B-B14F-4D97-AF65-F5344CB8AC3E}">
+        <p14:creationId xmlns:p14="http://schemas.microsoft.com/office/powerpoint/2010/main" val="2461099693"/>
+      </p:ext>
+    </p:extLst>
+  </p:cSld>
+  <p:clrMapOvr>
+    <a:masterClrMapping/>
+  </p:clrMapOvr>
+</p:notes>
+</file>
+
+<file path=ppt/notesSlides/notesSlide9.xml><?xml version="1.0" encoding="utf-8"?>
+<p:notes xmlns:a="http://schemas.openxmlformats.org/drawingml/2006/main" xmlns:r="http://schemas.openxmlformats.org/officeDocument/2006/relationships" xmlns:p="http://schemas.openxmlformats.org/presentationml/2006/main">
+  <p:cSld>
+    <p:spTree>
+      <p:nvGrpSpPr>
+        <p:cNvPr id="1" name=""/>
+        <p:cNvGrpSpPr/>
+        <p:nvPr/>
+      </p:nvGrpSpPr>
+      <p:grpSpPr>
+        <a:xfrm>
+          <a:off x="0" y="0"/>
+          <a:ext cx="0" cy="0"/>
+          <a:chOff x="0" y="0"/>
+          <a:chExt cx="0" cy="0"/>
+        </a:xfrm>
+      </p:grpSpPr>
+      <p:sp>
+        <p:nvSpPr>
+          <p:cNvPr id="2" name="幻灯片图像占位符 1"/>
+          <p:cNvSpPr>
+            <a:spLocks noGrp="1" noRot="1" noChangeAspect="1"/>
+          </p:cNvSpPr>
+          <p:nvPr>
+            <p:ph type="sldImg"/>
+          </p:nvPr>
+        </p:nvSpPr>
+        <p:spPr/>
+      </p:sp>
+      <p:sp>
+        <p:nvSpPr>
+          <p:cNvPr id="3" name="备注占位符 2"/>
+          <p:cNvSpPr>
+            <a:spLocks noGrp="1"/>
+          </p:cNvSpPr>
+          <p:nvPr>
+            <p:ph type="body" idx="1"/>
+          </p:nvPr>
+        </p:nvSpPr>
+        <p:spPr/>
+        <p:txBody>
+          <a:bodyPr/>
+          <a:lstStyle/>
+          <a:p>
+            <a:r>
+              <a:rPr lang="zh-CN" altLang="en-US" dirty="0" smtClean="0"/>
+              <a:t>一般说道</a:t>
+            </a:r>
+            <a:r>
+              <a:rPr lang="en-US" altLang="zh-CN" dirty="0" smtClean="0"/>
+              <a:t>RSA</a:t>
+            </a:r>
+            <a:r>
+              <a:rPr lang="zh-CN" altLang="en-US" dirty="0" smtClean="0"/>
+              <a:t>都会想到这是大型软件项目才会使用的，我们小微企业随便找两个高手搞搞就行了，以快糙猛为主。这个概念其实是个误区，在小型企业中进行的软件开发项目，经常因为缺乏设计阶段错误的评估了工期，增加了软件开发时间。第二是会增加软件开发风险，比如高手不干了。接手会非常困难。可以</a:t>
+            </a:r>
+            <a:r>
+              <a:rPr lang="zh-CN" altLang="en-US" smtClean="0"/>
+              <a:t>说是</a:t>
+            </a:r>
+            <a:r>
+              <a:rPr lang="zh-CN" altLang="en-US" smtClean="0"/>
+              <a:t>欲速则不达。第三就是说 软件项目，可能一开始代码比较少 但是时间长了工程也会变大 ，到不得不引入设计的时候已经太晚，</a:t>
+            </a:r>
+            <a:r>
+              <a:rPr lang="en-US" altLang="zh-CN" dirty="0" smtClean="0"/>
+              <a:t>RSA</a:t>
+            </a:r>
+            <a:r>
+              <a:rPr lang="zh-CN" altLang="en-US" dirty="0" smtClean="0"/>
+              <a:t>对于设计和实现之间的整合做的非常好，可以说进行设计的同时就能够产生对应的代码，而对设计的修改也能很快体现在代码上。可以说对软件开发的速度会有极大的提高。</a:t>
+            </a:r>
+            <a:endParaRPr lang="en-US" altLang="zh-CN" dirty="0" smtClean="0"/>
+          </a:p>
+          <a:p>
+            <a:endParaRPr lang="en-US" altLang="zh-CN" dirty="0" smtClean="0"/>
+          </a:p>
+          <a:p>
+            <a:r>
+              <a:rPr lang="zh-CN" altLang="en-US" dirty="0" smtClean="0"/>
+              <a:t>敏捷开发 极限编程的核心概念还是来自于</a:t>
+            </a:r>
+            <a:r>
+              <a:rPr lang="en-US" altLang="zh-CN" dirty="0" smtClean="0"/>
+              <a:t>RUP</a:t>
+            </a:r>
+            <a:r>
+              <a:rPr lang="zh-CN" altLang="en-US" dirty="0" smtClean="0"/>
+              <a:t>过程，只是这两者的核心思想是提倡对于需求变动快速响应，而</a:t>
+            </a:r>
+            <a:r>
+              <a:rPr lang="en-US" altLang="zh-CN" dirty="0" smtClean="0"/>
+              <a:t>RSA</a:t>
+            </a:r>
+            <a:r>
+              <a:rPr lang="zh-CN" altLang="en-US" dirty="0" smtClean="0"/>
+              <a:t>对于设计和实现的整合正好能大大促进这一过程。可以为敏捷开发提供助力</a:t>
+            </a:r>
+            <a:endParaRPr lang="en-US" altLang="zh-CN" dirty="0" smtClean="0"/>
+          </a:p>
+          <a:p>
+            <a:endParaRPr lang="en-US" altLang="zh-CN" dirty="0" smtClean="0"/>
+          </a:p>
+          <a:p>
+            <a:endParaRPr lang="en-US" altLang="zh-CN" dirty="0" smtClean="0"/>
+          </a:p>
+          <a:p>
+            <a:r>
+              <a:rPr lang="en-US" altLang="zh-CN" dirty="0" smtClean="0"/>
+              <a:t>RSA</a:t>
+            </a:r>
+            <a:r>
+              <a:rPr lang="zh-CN" altLang="en-US" dirty="0" smtClean="0"/>
+              <a:t>和其他的一些设计软件如微软出品的</a:t>
+            </a:r>
+            <a:r>
+              <a:rPr lang="en-US" altLang="zh-CN" dirty="0" smtClean="0"/>
+              <a:t>VS</a:t>
+            </a:r>
+            <a:r>
+              <a:rPr lang="zh-CN" altLang="en-US" dirty="0" smtClean="0"/>
+              <a:t>，</a:t>
+            </a:r>
+            <a:r>
+              <a:rPr lang="en-US" altLang="zh-CN" dirty="0" smtClean="0"/>
+              <a:t>Enterprise Architect</a:t>
+            </a:r>
+            <a:r>
+              <a:rPr lang="zh-CN" altLang="en-US" dirty="0" smtClean="0"/>
+              <a:t>相比，最大的好处就是跨语言跨平台的能力强，在现在的软件开发中 ，很少在一个语言和一个平台上开发，比如很多时候需要在服务器，</a:t>
+            </a:r>
+            <a:r>
+              <a:rPr lang="en-US" altLang="zh-CN" dirty="0" smtClean="0"/>
+              <a:t>PC</a:t>
+            </a:r>
+            <a:r>
+              <a:rPr lang="zh-CN" altLang="en-US" dirty="0" smtClean="0"/>
+              <a:t>机与手机平台进行同时开发。并且使用多种语言，目前只有</a:t>
+            </a:r>
+            <a:r>
+              <a:rPr lang="en-US" altLang="zh-CN" dirty="0" smtClean="0"/>
+              <a:t>RSA</a:t>
+            </a:r>
+            <a:r>
+              <a:rPr lang="zh-CN" altLang="en-US" dirty="0" smtClean="0"/>
+              <a:t>能够支持这一点。可以吧模型转换成</a:t>
+            </a:r>
+            <a:r>
+              <a:rPr lang="en-US" altLang="zh-CN" dirty="0" smtClean="0"/>
+              <a:t>C# VB java</a:t>
+            </a:r>
+            <a:r>
+              <a:rPr lang="zh-CN" altLang="en-US" dirty="0" smtClean="0"/>
+              <a:t>等多种语言，</a:t>
+            </a:r>
+            <a:endParaRPr lang="en-US" altLang="zh-CN" dirty="0" smtClean="0"/>
+          </a:p>
+        </p:txBody>
+      </p:sp>
+      <p:sp>
+        <p:nvSpPr>
+          <p:cNvPr id="4" name="灯片编号占位符 3"/>
+          <p:cNvSpPr>
+            <a:spLocks noGrp="1"/>
+          </p:cNvSpPr>
+          <p:nvPr>
+            <p:ph type="sldNum" sz="quarter" idx="10"/>
+          </p:nvPr>
+        </p:nvSpPr>
+        <p:spPr/>
+        <p:txBody>
+          <a:bodyPr/>
+          <a:lstStyle/>
+          <a:p>
+            <a:fld id="{5B0AA916-7E6A-41E5-8FFA-F7F72295C017}" type="slidenum">
+              <a:rPr lang="zh-CN" altLang="en-US" smtClean="0"/>
+              <a:t>9</a:t>
+            </a:fld>
+            <a:endParaRPr lang="zh-CN" altLang="en-US"/>
+          </a:p>
+        </p:txBody>
+      </p:sp>
+    </p:spTree>
+    <p:extLst>
+      <p:ext uri="{BB962C8B-B14F-4D97-AF65-F5344CB8AC3E}">
+        <p14:creationId xmlns:p14="http://schemas.microsoft.com/office/powerpoint/2010/main" val="797063583"/>
       </p:ext>
     </p:extLst>
   </p:cSld>
@@ -8149,7 +9623,7 @@
           <a:graphicData uri="http://schemas.openxmlformats.org/presentationml/2006/ole">
             <mc:AlternateContent xmlns:mc="http://schemas.openxmlformats.org/markup-compatibility/2006">
               <mc:Choice xmlns:v="urn:schemas-microsoft-com:vml" Requires="v">
-                <p:oleObj spid="_x0000_s2173" name="Photo Editor Photo" r:id="rId14" imgW="876190" imgH="1000000" progId="">
+                <p:oleObj spid="_x0000_s2339" name="Photo Editor Photo" r:id="rId14" imgW="876190" imgH="1000000" progId="">
                   <p:embed/>
                 </p:oleObj>
               </mc:Choice>
@@ -8903,11 +10377,7 @@
             </a:br>
             <a:r>
               <a:rPr lang="zh-CN" altLang="en-US" dirty="0" smtClean="0"/>
-              <a:t>在软</a:t>
-            </a:r>
-            <a:r>
-              <a:rPr lang="zh-CN" altLang="en-US" dirty="0" smtClean="0"/>
-              <a:t>件开发中的使用</a:t>
+              <a:t>在软件开发中的使用</a:t>
             </a:r>
             <a:r>
               <a:rPr lang="en-US" altLang="zh-CN" dirty="0" smtClean="0"/>
@@ -12642,12 +14112,21 @@
             <p:ph type="subTitle" idx="1"/>
           </p:nvPr>
         </p:nvSpPr>
-        <p:spPr/>
+        <p:spPr>
+          <a:xfrm>
+            <a:off x="2819400" y="4191000"/>
+            <a:ext cx="6249866" cy="920750"/>
+          </a:xfrm>
+        </p:spPr>
         <p:txBody>
           <a:bodyPr/>
           <a:lstStyle/>
           <a:p>
-            <a:endParaRPr lang="zh-CN" altLang="en-US"/>
+            <a:r>
+              <a:rPr lang="en-US" altLang="zh-CN" dirty="0" smtClean="0"/>
+              <a:t>Email: Archen1983@foxmail.com</a:t>
+            </a:r>
+            <a:endParaRPr lang="zh-CN" altLang="en-US" dirty="0"/>
           </a:p>
         </p:txBody>
       </p:sp>
@@ -12711,25 +14190,35 @@
           </a:p>
         </p:txBody>
       </p:sp>
-      <p:sp>
-        <p:nvSpPr>
-          <p:cNvPr id="3" name="内容占位符 2"/>
-          <p:cNvSpPr>
-            <a:spLocks noGrp="1"/>
-          </p:cNvSpPr>
+      <p:pic>
+        <p:nvPicPr>
+          <p:cNvPr id="4" name="内容占位符 3"/>
+          <p:cNvPicPr>
+            <a:picLocks noGrp="1" noChangeAspect="1"/>
+          </p:cNvPicPr>
           <p:nvPr>
             <p:ph idx="1"/>
           </p:nvPr>
-        </p:nvSpPr>
-        <p:spPr/>
-        <p:txBody>
-          <a:bodyPr/>
-          <a:lstStyle/>
-          <a:p>
-            <a:endParaRPr lang="en-US" dirty="0"/>
-          </a:p>
-        </p:txBody>
-      </p:sp>
+        </p:nvPicPr>
+        <p:blipFill>
+          <a:blip r:embed="rId3" cstate="print">
+            <a:extLst>
+              <a:ext uri="{28A0092B-C50C-407E-A947-70E740481C1C}">
+                <a14:useLocalDpi xmlns:a14="http://schemas.microsoft.com/office/drawing/2010/main" val="0"/>
+              </a:ext>
+            </a:extLst>
+          </a:blip>
+          <a:stretch>
+            <a:fillRect/>
+          </a:stretch>
+        </p:blipFill>
+        <p:spPr>
+          <a:xfrm>
+            <a:off x="339725" y="1524000"/>
+            <a:ext cx="2319045" cy="1963738"/>
+          </a:xfrm>
+        </p:spPr>
+      </p:pic>
       <p:sp>
         <p:nvSpPr>
           <p:cNvPr id="5" name="Text Box 4"/>
@@ -12740,8 +14229,8 @@
         </p:nvSpPr>
         <p:spPr bwMode="auto">
           <a:xfrm>
-            <a:off x="460252" y="3058356"/>
-            <a:ext cx="8264769" cy="596510"/>
+            <a:off x="2971800" y="2286000"/>
+            <a:ext cx="5753221" cy="795346"/>
           </a:xfrm>
           <a:prstGeom prst="rect">
             <a:avLst/>
@@ -12781,7 +14270,7 @@
           </a:extLst>
         </p:spPr>
         <p:txBody>
-          <a:bodyPr lIns="0" tIns="0" rIns="0" bIns="0">
+          <a:bodyPr wrap="square" lIns="0" tIns="0" rIns="0" bIns="0">
             <a:spAutoFit/>
           </a:bodyPr>
           <a:lstStyle>
@@ -12993,6 +14482,675 @@
               </a:rPr>
               <a:t>（射频技术）项目研发、产品生产、市场销售于一体的高新技术企业。</a:t>
             </a:r>
+          </a:p>
+        </p:txBody>
+      </p:sp>
+      <p:sp>
+        <p:nvSpPr>
+          <p:cNvPr id="7" name="AutoShape 4" descr="https://lh3.googleusercontent.com/-RPxxR2Tbvu0/U0ZK94EB62I/AAAAAAAAHr8/cucdgWEJqZA/w708-h709-no/IMG_1427.JPG"/>
+          <p:cNvSpPr>
+            <a:spLocks noChangeAspect="1" noChangeArrowheads="1"/>
+          </p:cNvSpPr>
+          <p:nvPr/>
+        </p:nvSpPr>
+        <p:spPr bwMode="auto">
+          <a:xfrm>
+            <a:off x="155575" y="-144463"/>
+            <a:ext cx="304800" cy="304801"/>
+          </a:xfrm>
+          <a:prstGeom prst="rect">
+            <a:avLst/>
+          </a:prstGeom>
+          <a:noFill/>
+          <a:extLst>
+            <a:ext uri="{909E8E84-426E-40DD-AFC4-6F175D3DCCD1}">
+              <a14:hiddenFill xmlns:a14="http://schemas.microsoft.com/office/drawing/2010/main">
+                <a:solidFill>
+                  <a:srgbClr val="FFFFFF"/>
+                </a:solidFill>
+              </a14:hiddenFill>
+            </a:ext>
+          </a:extLst>
+        </p:spPr>
+        <p:txBody>
+          <a:bodyPr vert="horz" wrap="square" lIns="91440" tIns="45720" rIns="91440" bIns="45720" numCol="1" anchor="t" anchorCtr="0" compatLnSpc="1">
+            <a:prstTxWarp prst="textNoShape">
+              <a:avLst/>
+            </a:prstTxWarp>
+          </a:bodyPr>
+          <a:lstStyle/>
+          <a:p>
+            <a:endParaRPr lang="en-US"/>
+          </a:p>
+        </p:txBody>
+      </p:sp>
+      <p:pic>
+        <p:nvPicPr>
+          <p:cNvPr id="8" name="图片 7"/>
+          <p:cNvPicPr>
+            <a:picLocks noChangeAspect="1"/>
+          </p:cNvPicPr>
+          <p:nvPr/>
+        </p:nvPicPr>
+        <p:blipFill>
+          <a:blip r:embed="rId4" cstate="print">
+            <a:extLst>
+              <a:ext uri="{28A0092B-C50C-407E-A947-70E740481C1C}">
+                <a14:useLocalDpi xmlns:a14="http://schemas.microsoft.com/office/drawing/2010/main" val="0"/>
+              </a:ext>
+            </a:extLst>
+          </a:blip>
+          <a:stretch>
+            <a:fillRect/>
+          </a:stretch>
+        </p:blipFill>
+        <p:spPr>
+          <a:xfrm>
+            <a:off x="495544" y="4009536"/>
+            <a:ext cx="1918387" cy="1923814"/>
+          </a:xfrm>
+          <a:prstGeom prst="rect">
+            <a:avLst/>
+          </a:prstGeom>
+        </p:spPr>
+      </p:pic>
+      <p:sp>
+        <p:nvSpPr>
+          <p:cNvPr id="9" name="Text Box 4"/>
+          <p:cNvSpPr txBox="1">
+            <a:spLocks noChangeArrowheads="1"/>
+          </p:cNvSpPr>
+          <p:nvPr/>
+        </p:nvSpPr>
+        <p:spPr bwMode="auto">
+          <a:xfrm>
+            <a:off x="2971799" y="4772606"/>
+            <a:ext cx="5753221" cy="198837"/>
+          </a:xfrm>
+          <a:prstGeom prst="rect">
+            <a:avLst/>
+          </a:prstGeom>
+          <a:noFill/>
+          <a:ln>
+            <a:noFill/>
+          </a:ln>
+          <a:effectLst/>
+          <a:extLst>
+            <a:ext uri="{909E8E84-426E-40DD-AFC4-6F175D3DCCD1}">
+              <a14:hiddenFill xmlns:a14="http://schemas.microsoft.com/office/drawing/2010/main">
+                <a:solidFill>
+                  <a:srgbClr val="2D5381"/>
+                </a:solidFill>
+              </a14:hiddenFill>
+            </a:ext>
+            <a:ext uri="{91240B29-F687-4F45-9708-019B960494DF}">
+              <a14:hiddenLine xmlns:a14="http://schemas.microsoft.com/office/drawing/2010/main" w="9525" algn="ctr">
+                <a:solidFill>
+                  <a:srgbClr val="000000"/>
+                </a:solidFill>
+                <a:miter lim="800000"/>
+                <a:headEnd/>
+                <a:tailEnd/>
+              </a14:hiddenLine>
+            </a:ext>
+            <a:ext uri="{AF507438-7753-43E0-B8FC-AC1667EBCBE1}">
+              <a14:hiddenEffects xmlns:a14="http://schemas.microsoft.com/office/drawing/2010/main">
+                <a:effectLst>
+                  <a:outerShdw dist="35921" dir="2700000" algn="ctr" rotWithShape="0">
+                    <a:schemeClr val="bg2"/>
+                  </a:outerShdw>
+                </a:effectLst>
+              </a14:hiddenEffects>
+            </a:ext>
+          </a:extLst>
+        </p:spPr>
+        <p:txBody>
+          <a:bodyPr wrap="square" lIns="0" tIns="0" rIns="0" bIns="0">
+            <a:spAutoFit/>
+          </a:bodyPr>
+          <a:lstStyle>
+            <a:lvl1pPr marL="177800" indent="-177800" eaLnBrk="0" hangingPunct="0">
+              <a:defRPr sz="2000">
+                <a:solidFill>
+                  <a:schemeClr val="tx1"/>
+                </a:solidFill>
+                <a:latin typeface="Verdana" panose="020B0604030504040204" pitchFamily="34" charset="0"/>
+                <a:ea typeface="黑体" panose="02010609060101010101" pitchFamily="49" charset="-122"/>
+              </a:defRPr>
+            </a:lvl1pPr>
+            <a:lvl2pPr marL="742950" indent="-285750" eaLnBrk="0" hangingPunct="0">
+              <a:defRPr sz="2000">
+                <a:solidFill>
+                  <a:schemeClr val="tx1"/>
+                </a:solidFill>
+                <a:latin typeface="Verdana" panose="020B0604030504040204" pitchFamily="34" charset="0"/>
+                <a:ea typeface="黑体" panose="02010609060101010101" pitchFamily="49" charset="-122"/>
+              </a:defRPr>
+            </a:lvl2pPr>
+            <a:lvl3pPr marL="1143000" indent="-228600" eaLnBrk="0" hangingPunct="0">
+              <a:defRPr sz="2000">
+                <a:solidFill>
+                  <a:schemeClr val="tx1"/>
+                </a:solidFill>
+                <a:latin typeface="Verdana" panose="020B0604030504040204" pitchFamily="34" charset="0"/>
+                <a:ea typeface="黑体" panose="02010609060101010101" pitchFamily="49" charset="-122"/>
+              </a:defRPr>
+            </a:lvl3pPr>
+            <a:lvl4pPr marL="1600200" indent="-228600" eaLnBrk="0" hangingPunct="0">
+              <a:defRPr sz="2000">
+                <a:solidFill>
+                  <a:schemeClr val="tx1"/>
+                </a:solidFill>
+                <a:latin typeface="Verdana" panose="020B0604030504040204" pitchFamily="34" charset="0"/>
+                <a:ea typeface="黑体" panose="02010609060101010101" pitchFamily="49" charset="-122"/>
+              </a:defRPr>
+            </a:lvl4pPr>
+            <a:lvl5pPr marL="2057400" indent="-228600" eaLnBrk="0" hangingPunct="0">
+              <a:defRPr sz="2000">
+                <a:solidFill>
+                  <a:schemeClr val="tx1"/>
+                </a:solidFill>
+                <a:latin typeface="Verdana" panose="020B0604030504040204" pitchFamily="34" charset="0"/>
+                <a:ea typeface="黑体" panose="02010609060101010101" pitchFamily="49" charset="-122"/>
+              </a:defRPr>
+            </a:lvl5pPr>
+            <a:lvl6pPr marL="2514600" indent="-228600" algn="ctr" eaLnBrk="0" fontAlgn="base" hangingPunct="0">
+              <a:spcBef>
+                <a:spcPct val="0"/>
+              </a:spcBef>
+              <a:spcAft>
+                <a:spcPct val="0"/>
+              </a:spcAft>
+              <a:defRPr sz="2000">
+                <a:solidFill>
+                  <a:schemeClr val="tx1"/>
+                </a:solidFill>
+                <a:latin typeface="Verdana" panose="020B0604030504040204" pitchFamily="34" charset="0"/>
+                <a:ea typeface="黑体" panose="02010609060101010101" pitchFamily="49" charset="-122"/>
+              </a:defRPr>
+            </a:lvl6pPr>
+            <a:lvl7pPr marL="2971800" indent="-228600" algn="ctr" eaLnBrk="0" fontAlgn="base" hangingPunct="0">
+              <a:spcBef>
+                <a:spcPct val="0"/>
+              </a:spcBef>
+              <a:spcAft>
+                <a:spcPct val="0"/>
+              </a:spcAft>
+              <a:defRPr sz="2000">
+                <a:solidFill>
+                  <a:schemeClr val="tx1"/>
+                </a:solidFill>
+                <a:latin typeface="Verdana" panose="020B0604030504040204" pitchFamily="34" charset="0"/>
+                <a:ea typeface="黑体" panose="02010609060101010101" pitchFamily="49" charset="-122"/>
+              </a:defRPr>
+            </a:lvl7pPr>
+            <a:lvl8pPr marL="3429000" indent="-228600" algn="ctr" eaLnBrk="0" fontAlgn="base" hangingPunct="0">
+              <a:spcBef>
+                <a:spcPct val="0"/>
+              </a:spcBef>
+              <a:spcAft>
+                <a:spcPct val="0"/>
+              </a:spcAft>
+              <a:defRPr sz="2000">
+                <a:solidFill>
+                  <a:schemeClr val="tx1"/>
+                </a:solidFill>
+                <a:latin typeface="Verdana" panose="020B0604030504040204" pitchFamily="34" charset="0"/>
+                <a:ea typeface="黑体" panose="02010609060101010101" pitchFamily="49" charset="-122"/>
+              </a:defRPr>
+            </a:lvl8pPr>
+            <a:lvl9pPr marL="3886200" indent="-228600" algn="ctr" eaLnBrk="0" fontAlgn="base" hangingPunct="0">
+              <a:spcBef>
+                <a:spcPct val="0"/>
+              </a:spcBef>
+              <a:spcAft>
+                <a:spcPct val="0"/>
+              </a:spcAft>
+              <a:defRPr sz="2000">
+                <a:solidFill>
+                  <a:schemeClr val="tx1"/>
+                </a:solidFill>
+                <a:latin typeface="Verdana" panose="020B0604030504040204" pitchFamily="34" charset="0"/>
+                <a:ea typeface="黑体" panose="02010609060101010101" pitchFamily="49" charset="-122"/>
+              </a:defRPr>
+            </a:lvl9pPr>
+          </a:lstStyle>
+          <a:p>
+            <a:pPr algn="l" eaLnBrk="1" hangingPunct="1">
+              <a:spcBef>
+                <a:spcPct val="50000"/>
+              </a:spcBef>
+              <a:buClr>
+                <a:schemeClr val="bg2"/>
+              </a:buClr>
+              <a:buSzPct val="75000"/>
+              <a:buFont typeface="Wingdings" panose="05000000000000000000" pitchFamily="2" charset="2"/>
+              <a:buChar char="n"/>
+            </a:pPr>
+            <a:r>
+              <a:rPr lang="zh-CN" altLang="en-US" sz="1292" dirty="0" smtClean="0">
+                <a:solidFill>
+                  <a:srgbClr val="000000"/>
+                </a:solidFill>
+                <a:latin typeface="黑体" panose="02010609060101010101" pitchFamily="49" charset="-122"/>
+              </a:rPr>
+              <a:t>张晨</a:t>
+            </a:r>
+            <a:endParaRPr lang="en-US" altLang="zh-CN" sz="1292" dirty="0" smtClean="0">
+              <a:solidFill>
+                <a:srgbClr val="000000"/>
+              </a:solidFill>
+              <a:latin typeface="黑体" panose="02010609060101010101" pitchFamily="49" charset="-122"/>
+            </a:endParaRPr>
+          </a:p>
+        </p:txBody>
+      </p:sp>
+      <p:sp>
+        <p:nvSpPr>
+          <p:cNvPr id="10" name="Text Box 4"/>
+          <p:cNvSpPr txBox="1">
+            <a:spLocks noChangeArrowheads="1"/>
+          </p:cNvSpPr>
+          <p:nvPr/>
+        </p:nvSpPr>
+        <p:spPr bwMode="auto">
+          <a:xfrm>
+            <a:off x="2980062" y="5557985"/>
+            <a:ext cx="5753221" cy="198837"/>
+          </a:xfrm>
+          <a:prstGeom prst="rect">
+            <a:avLst/>
+          </a:prstGeom>
+          <a:noFill/>
+          <a:ln>
+            <a:noFill/>
+          </a:ln>
+          <a:effectLst/>
+          <a:extLst>
+            <a:ext uri="{909E8E84-426E-40DD-AFC4-6F175D3DCCD1}">
+              <a14:hiddenFill xmlns:a14="http://schemas.microsoft.com/office/drawing/2010/main">
+                <a:solidFill>
+                  <a:srgbClr val="2D5381"/>
+                </a:solidFill>
+              </a14:hiddenFill>
+            </a:ext>
+            <a:ext uri="{91240B29-F687-4F45-9708-019B960494DF}">
+              <a14:hiddenLine xmlns:a14="http://schemas.microsoft.com/office/drawing/2010/main" w="9525" algn="ctr">
+                <a:solidFill>
+                  <a:srgbClr val="000000"/>
+                </a:solidFill>
+                <a:miter lim="800000"/>
+                <a:headEnd/>
+                <a:tailEnd/>
+              </a14:hiddenLine>
+            </a:ext>
+            <a:ext uri="{AF507438-7753-43E0-B8FC-AC1667EBCBE1}">
+              <a14:hiddenEffects xmlns:a14="http://schemas.microsoft.com/office/drawing/2010/main">
+                <a:effectLst>
+                  <a:outerShdw dist="35921" dir="2700000" algn="ctr" rotWithShape="0">
+                    <a:schemeClr val="bg2"/>
+                  </a:outerShdw>
+                </a:effectLst>
+              </a14:hiddenEffects>
+            </a:ext>
+          </a:extLst>
+        </p:spPr>
+        <p:txBody>
+          <a:bodyPr wrap="square" lIns="0" tIns="0" rIns="0" bIns="0">
+            <a:spAutoFit/>
+          </a:bodyPr>
+          <a:lstStyle>
+            <a:lvl1pPr marL="177800" indent="-177800" eaLnBrk="0" hangingPunct="0">
+              <a:defRPr sz="2000">
+                <a:solidFill>
+                  <a:schemeClr val="tx1"/>
+                </a:solidFill>
+                <a:latin typeface="Verdana" panose="020B0604030504040204" pitchFamily="34" charset="0"/>
+                <a:ea typeface="黑体" panose="02010609060101010101" pitchFamily="49" charset="-122"/>
+              </a:defRPr>
+            </a:lvl1pPr>
+            <a:lvl2pPr marL="742950" indent="-285750" eaLnBrk="0" hangingPunct="0">
+              <a:defRPr sz="2000">
+                <a:solidFill>
+                  <a:schemeClr val="tx1"/>
+                </a:solidFill>
+                <a:latin typeface="Verdana" panose="020B0604030504040204" pitchFamily="34" charset="0"/>
+                <a:ea typeface="黑体" panose="02010609060101010101" pitchFamily="49" charset="-122"/>
+              </a:defRPr>
+            </a:lvl2pPr>
+            <a:lvl3pPr marL="1143000" indent="-228600" eaLnBrk="0" hangingPunct="0">
+              <a:defRPr sz="2000">
+                <a:solidFill>
+                  <a:schemeClr val="tx1"/>
+                </a:solidFill>
+                <a:latin typeface="Verdana" panose="020B0604030504040204" pitchFamily="34" charset="0"/>
+                <a:ea typeface="黑体" panose="02010609060101010101" pitchFamily="49" charset="-122"/>
+              </a:defRPr>
+            </a:lvl3pPr>
+            <a:lvl4pPr marL="1600200" indent="-228600" eaLnBrk="0" hangingPunct="0">
+              <a:defRPr sz="2000">
+                <a:solidFill>
+                  <a:schemeClr val="tx1"/>
+                </a:solidFill>
+                <a:latin typeface="Verdana" panose="020B0604030504040204" pitchFamily="34" charset="0"/>
+                <a:ea typeface="黑体" panose="02010609060101010101" pitchFamily="49" charset="-122"/>
+              </a:defRPr>
+            </a:lvl4pPr>
+            <a:lvl5pPr marL="2057400" indent="-228600" eaLnBrk="0" hangingPunct="0">
+              <a:defRPr sz="2000">
+                <a:solidFill>
+                  <a:schemeClr val="tx1"/>
+                </a:solidFill>
+                <a:latin typeface="Verdana" panose="020B0604030504040204" pitchFamily="34" charset="0"/>
+                <a:ea typeface="黑体" panose="02010609060101010101" pitchFamily="49" charset="-122"/>
+              </a:defRPr>
+            </a:lvl5pPr>
+            <a:lvl6pPr marL="2514600" indent="-228600" algn="ctr" eaLnBrk="0" fontAlgn="base" hangingPunct="0">
+              <a:spcBef>
+                <a:spcPct val="0"/>
+              </a:spcBef>
+              <a:spcAft>
+                <a:spcPct val="0"/>
+              </a:spcAft>
+              <a:defRPr sz="2000">
+                <a:solidFill>
+                  <a:schemeClr val="tx1"/>
+                </a:solidFill>
+                <a:latin typeface="Verdana" panose="020B0604030504040204" pitchFamily="34" charset="0"/>
+                <a:ea typeface="黑体" panose="02010609060101010101" pitchFamily="49" charset="-122"/>
+              </a:defRPr>
+            </a:lvl6pPr>
+            <a:lvl7pPr marL="2971800" indent="-228600" algn="ctr" eaLnBrk="0" fontAlgn="base" hangingPunct="0">
+              <a:spcBef>
+                <a:spcPct val="0"/>
+              </a:spcBef>
+              <a:spcAft>
+                <a:spcPct val="0"/>
+              </a:spcAft>
+              <a:defRPr sz="2000">
+                <a:solidFill>
+                  <a:schemeClr val="tx1"/>
+                </a:solidFill>
+                <a:latin typeface="Verdana" panose="020B0604030504040204" pitchFamily="34" charset="0"/>
+                <a:ea typeface="黑体" panose="02010609060101010101" pitchFamily="49" charset="-122"/>
+              </a:defRPr>
+            </a:lvl7pPr>
+            <a:lvl8pPr marL="3429000" indent="-228600" algn="ctr" eaLnBrk="0" fontAlgn="base" hangingPunct="0">
+              <a:spcBef>
+                <a:spcPct val="0"/>
+              </a:spcBef>
+              <a:spcAft>
+                <a:spcPct val="0"/>
+              </a:spcAft>
+              <a:defRPr sz="2000">
+                <a:solidFill>
+                  <a:schemeClr val="tx1"/>
+                </a:solidFill>
+                <a:latin typeface="Verdana" panose="020B0604030504040204" pitchFamily="34" charset="0"/>
+                <a:ea typeface="黑体" panose="02010609060101010101" pitchFamily="49" charset="-122"/>
+              </a:defRPr>
+            </a:lvl8pPr>
+            <a:lvl9pPr marL="3886200" indent="-228600" algn="ctr" eaLnBrk="0" fontAlgn="base" hangingPunct="0">
+              <a:spcBef>
+                <a:spcPct val="0"/>
+              </a:spcBef>
+              <a:spcAft>
+                <a:spcPct val="0"/>
+              </a:spcAft>
+              <a:defRPr sz="2000">
+                <a:solidFill>
+                  <a:schemeClr val="tx1"/>
+                </a:solidFill>
+                <a:latin typeface="Verdana" panose="020B0604030504040204" pitchFamily="34" charset="0"/>
+                <a:ea typeface="黑体" panose="02010609060101010101" pitchFamily="49" charset="-122"/>
+              </a:defRPr>
+            </a:lvl9pPr>
+          </a:lstStyle>
+          <a:p>
+            <a:pPr algn="l" eaLnBrk="1" hangingPunct="1">
+              <a:spcBef>
+                <a:spcPct val="50000"/>
+              </a:spcBef>
+              <a:buClr>
+                <a:schemeClr val="bg2"/>
+              </a:buClr>
+              <a:buSzPct val="75000"/>
+              <a:buFont typeface="Wingdings" panose="05000000000000000000" pitchFamily="2" charset="2"/>
+              <a:buChar char="n"/>
+            </a:pPr>
+            <a:r>
+              <a:rPr lang="en-US" altLang="zh-CN" sz="1292" dirty="0" smtClean="0">
+                <a:solidFill>
+                  <a:srgbClr val="000000"/>
+                </a:solidFill>
+                <a:latin typeface="黑体" panose="02010609060101010101" pitchFamily="49" charset="-122"/>
+              </a:rPr>
+              <a:t>6</a:t>
+            </a:r>
+            <a:r>
+              <a:rPr lang="zh-CN" altLang="en-US" sz="1292" dirty="0" smtClean="0">
+                <a:solidFill>
+                  <a:srgbClr val="000000"/>
+                </a:solidFill>
+                <a:latin typeface="黑体" panose="02010609060101010101" pitchFamily="49" charset="-122"/>
+              </a:rPr>
+              <a:t>年</a:t>
+            </a:r>
+            <a:r>
+              <a:rPr lang="en-US" altLang="zh-CN" sz="1292" dirty="0" err="1" smtClean="0">
+                <a:solidFill>
+                  <a:srgbClr val="000000"/>
+                </a:solidFill>
+                <a:latin typeface="黑体" panose="02010609060101010101" pitchFamily="49" charset="-122"/>
+              </a:rPr>
+              <a:t>.net</a:t>
+            </a:r>
+            <a:r>
+              <a:rPr lang="zh-CN" altLang="en-US" sz="1292" dirty="0" smtClean="0">
+                <a:solidFill>
+                  <a:srgbClr val="000000"/>
+                </a:solidFill>
+                <a:latin typeface="黑体" panose="02010609060101010101" pitchFamily="49" charset="-122"/>
+              </a:rPr>
+              <a:t>平台研发经验</a:t>
+            </a:r>
+            <a:endParaRPr lang="en-US" altLang="zh-CN" sz="1292" dirty="0" smtClean="0">
+              <a:solidFill>
+                <a:srgbClr val="000000"/>
+              </a:solidFill>
+              <a:latin typeface="黑体" panose="02010609060101010101" pitchFamily="49" charset="-122"/>
+            </a:endParaRPr>
+          </a:p>
+        </p:txBody>
+      </p:sp>
+      <p:sp>
+        <p:nvSpPr>
+          <p:cNvPr id="11" name="Text Box 4"/>
+          <p:cNvSpPr txBox="1">
+            <a:spLocks noChangeArrowheads="1"/>
+          </p:cNvSpPr>
+          <p:nvPr/>
+        </p:nvSpPr>
+        <p:spPr bwMode="auto">
+          <a:xfrm>
+            <a:off x="2971799" y="5165295"/>
+            <a:ext cx="5753221" cy="198837"/>
+          </a:xfrm>
+          <a:prstGeom prst="rect">
+            <a:avLst/>
+          </a:prstGeom>
+          <a:noFill/>
+          <a:ln>
+            <a:noFill/>
+          </a:ln>
+          <a:effectLst/>
+          <a:extLst>
+            <a:ext uri="{909E8E84-426E-40DD-AFC4-6F175D3DCCD1}">
+              <a14:hiddenFill xmlns:a14="http://schemas.microsoft.com/office/drawing/2010/main">
+                <a:solidFill>
+                  <a:srgbClr val="2D5381"/>
+                </a:solidFill>
+              </a14:hiddenFill>
+            </a:ext>
+            <a:ext uri="{91240B29-F687-4F45-9708-019B960494DF}">
+              <a14:hiddenLine xmlns:a14="http://schemas.microsoft.com/office/drawing/2010/main" w="9525" algn="ctr">
+                <a:solidFill>
+                  <a:srgbClr val="000000"/>
+                </a:solidFill>
+                <a:miter lim="800000"/>
+                <a:headEnd/>
+                <a:tailEnd/>
+              </a14:hiddenLine>
+            </a:ext>
+            <a:ext uri="{AF507438-7753-43E0-B8FC-AC1667EBCBE1}">
+              <a14:hiddenEffects xmlns:a14="http://schemas.microsoft.com/office/drawing/2010/main">
+                <a:effectLst>
+                  <a:outerShdw dist="35921" dir="2700000" algn="ctr" rotWithShape="0">
+                    <a:schemeClr val="bg2"/>
+                  </a:outerShdw>
+                </a:effectLst>
+              </a14:hiddenEffects>
+            </a:ext>
+          </a:extLst>
+        </p:spPr>
+        <p:txBody>
+          <a:bodyPr wrap="square" lIns="0" tIns="0" rIns="0" bIns="0">
+            <a:spAutoFit/>
+          </a:bodyPr>
+          <a:lstStyle>
+            <a:lvl1pPr marL="177800" indent="-177800" eaLnBrk="0" hangingPunct="0">
+              <a:defRPr sz="2000">
+                <a:solidFill>
+                  <a:schemeClr val="tx1"/>
+                </a:solidFill>
+                <a:latin typeface="Verdana" panose="020B0604030504040204" pitchFamily="34" charset="0"/>
+                <a:ea typeface="黑体" panose="02010609060101010101" pitchFamily="49" charset="-122"/>
+              </a:defRPr>
+            </a:lvl1pPr>
+            <a:lvl2pPr marL="742950" indent="-285750" eaLnBrk="0" hangingPunct="0">
+              <a:defRPr sz="2000">
+                <a:solidFill>
+                  <a:schemeClr val="tx1"/>
+                </a:solidFill>
+                <a:latin typeface="Verdana" panose="020B0604030504040204" pitchFamily="34" charset="0"/>
+                <a:ea typeface="黑体" panose="02010609060101010101" pitchFamily="49" charset="-122"/>
+              </a:defRPr>
+            </a:lvl2pPr>
+            <a:lvl3pPr marL="1143000" indent="-228600" eaLnBrk="0" hangingPunct="0">
+              <a:defRPr sz="2000">
+                <a:solidFill>
+                  <a:schemeClr val="tx1"/>
+                </a:solidFill>
+                <a:latin typeface="Verdana" panose="020B0604030504040204" pitchFamily="34" charset="0"/>
+                <a:ea typeface="黑体" panose="02010609060101010101" pitchFamily="49" charset="-122"/>
+              </a:defRPr>
+            </a:lvl3pPr>
+            <a:lvl4pPr marL="1600200" indent="-228600" eaLnBrk="0" hangingPunct="0">
+              <a:defRPr sz="2000">
+                <a:solidFill>
+                  <a:schemeClr val="tx1"/>
+                </a:solidFill>
+                <a:latin typeface="Verdana" panose="020B0604030504040204" pitchFamily="34" charset="0"/>
+                <a:ea typeface="黑体" panose="02010609060101010101" pitchFamily="49" charset="-122"/>
+              </a:defRPr>
+            </a:lvl4pPr>
+            <a:lvl5pPr marL="2057400" indent="-228600" eaLnBrk="0" hangingPunct="0">
+              <a:defRPr sz="2000">
+                <a:solidFill>
+                  <a:schemeClr val="tx1"/>
+                </a:solidFill>
+                <a:latin typeface="Verdana" panose="020B0604030504040204" pitchFamily="34" charset="0"/>
+                <a:ea typeface="黑体" panose="02010609060101010101" pitchFamily="49" charset="-122"/>
+              </a:defRPr>
+            </a:lvl5pPr>
+            <a:lvl6pPr marL="2514600" indent="-228600" algn="ctr" eaLnBrk="0" fontAlgn="base" hangingPunct="0">
+              <a:spcBef>
+                <a:spcPct val="0"/>
+              </a:spcBef>
+              <a:spcAft>
+                <a:spcPct val="0"/>
+              </a:spcAft>
+              <a:defRPr sz="2000">
+                <a:solidFill>
+                  <a:schemeClr val="tx1"/>
+                </a:solidFill>
+                <a:latin typeface="Verdana" panose="020B0604030504040204" pitchFamily="34" charset="0"/>
+                <a:ea typeface="黑体" panose="02010609060101010101" pitchFamily="49" charset="-122"/>
+              </a:defRPr>
+            </a:lvl6pPr>
+            <a:lvl7pPr marL="2971800" indent="-228600" algn="ctr" eaLnBrk="0" fontAlgn="base" hangingPunct="0">
+              <a:spcBef>
+                <a:spcPct val="0"/>
+              </a:spcBef>
+              <a:spcAft>
+                <a:spcPct val="0"/>
+              </a:spcAft>
+              <a:defRPr sz="2000">
+                <a:solidFill>
+                  <a:schemeClr val="tx1"/>
+                </a:solidFill>
+                <a:latin typeface="Verdana" panose="020B0604030504040204" pitchFamily="34" charset="0"/>
+                <a:ea typeface="黑体" panose="02010609060101010101" pitchFamily="49" charset="-122"/>
+              </a:defRPr>
+            </a:lvl7pPr>
+            <a:lvl8pPr marL="3429000" indent="-228600" algn="ctr" eaLnBrk="0" fontAlgn="base" hangingPunct="0">
+              <a:spcBef>
+                <a:spcPct val="0"/>
+              </a:spcBef>
+              <a:spcAft>
+                <a:spcPct val="0"/>
+              </a:spcAft>
+              <a:defRPr sz="2000">
+                <a:solidFill>
+                  <a:schemeClr val="tx1"/>
+                </a:solidFill>
+                <a:latin typeface="Verdana" panose="020B0604030504040204" pitchFamily="34" charset="0"/>
+                <a:ea typeface="黑体" panose="02010609060101010101" pitchFamily="49" charset="-122"/>
+              </a:defRPr>
+            </a:lvl8pPr>
+            <a:lvl9pPr marL="3886200" indent="-228600" algn="ctr" eaLnBrk="0" fontAlgn="base" hangingPunct="0">
+              <a:spcBef>
+                <a:spcPct val="0"/>
+              </a:spcBef>
+              <a:spcAft>
+                <a:spcPct val="0"/>
+              </a:spcAft>
+              <a:defRPr sz="2000">
+                <a:solidFill>
+                  <a:schemeClr val="tx1"/>
+                </a:solidFill>
+                <a:latin typeface="Verdana" panose="020B0604030504040204" pitchFamily="34" charset="0"/>
+                <a:ea typeface="黑体" panose="02010609060101010101" pitchFamily="49" charset="-122"/>
+              </a:defRPr>
+            </a:lvl9pPr>
+          </a:lstStyle>
+          <a:p>
+            <a:pPr algn="l" eaLnBrk="1" hangingPunct="1">
+              <a:spcBef>
+                <a:spcPct val="50000"/>
+              </a:spcBef>
+              <a:buClr>
+                <a:schemeClr val="bg2"/>
+              </a:buClr>
+              <a:buSzPct val="75000"/>
+              <a:buFont typeface="Wingdings" panose="05000000000000000000" pitchFamily="2" charset="2"/>
+              <a:buChar char="n"/>
+            </a:pPr>
+            <a:r>
+              <a:rPr lang="zh-CN" altLang="en-US" sz="1292" dirty="0" smtClean="0">
+                <a:solidFill>
+                  <a:srgbClr val="000000"/>
+                </a:solidFill>
+                <a:latin typeface="黑体" panose="02010609060101010101" pitchFamily="49" charset="-122"/>
+              </a:rPr>
+              <a:t>泰兰特电子科技有限公司  软件研发部经理</a:t>
+            </a:r>
+            <a:endParaRPr lang="en-US" altLang="zh-CN" sz="1292" dirty="0" smtClean="0">
+              <a:solidFill>
+                <a:srgbClr val="000000"/>
+              </a:solidFill>
+              <a:latin typeface="黑体" panose="02010609060101010101" pitchFamily="49" charset="-122"/>
+            </a:endParaRPr>
           </a:p>
         </p:txBody>
       </p:sp>
@@ -13069,7 +15227,7 @@
           <p:nvPr/>
         </p:nvPicPr>
         <p:blipFill>
-          <a:blip r:embed="rId2">
+          <a:blip r:embed="rId3">
             <a:extLst>
               <a:ext uri="{28A0092B-C50C-407E-A947-70E740481C1C}">
                 <a14:useLocalDpi xmlns:a14="http://schemas.microsoft.com/office/drawing/2010/main" val="0"/>
@@ -13110,7 +15268,7 @@
           <p:nvPr/>
         </p:nvPicPr>
         <p:blipFill>
-          <a:blip r:embed="rId3">
+          <a:blip r:embed="rId4">
             <a:extLst>
               <a:ext uri="{28A0092B-C50C-407E-A947-70E740481C1C}">
                 <a14:useLocalDpi xmlns:a14="http://schemas.microsoft.com/office/drawing/2010/main" val="0"/>
@@ -13151,7 +15309,7 @@
           <p:nvPr/>
         </p:nvPicPr>
         <p:blipFill>
-          <a:blip r:embed="rId4">
+          <a:blip r:embed="rId5">
             <a:extLst>
               <a:ext uri="{28A0092B-C50C-407E-A947-70E740481C1C}">
                 <a14:useLocalDpi xmlns:a14="http://schemas.microsoft.com/office/drawing/2010/main" val="0"/>
@@ -13181,7 +15339,7 @@
           <p:nvPr/>
         </p:nvPicPr>
         <p:blipFill>
-          <a:blip r:embed="rId5">
+          <a:blip r:embed="rId6">
             <a:extLst>
               <a:ext uri="{28A0092B-C50C-407E-A947-70E740481C1C}">
                 <a14:useLocalDpi xmlns:a14="http://schemas.microsoft.com/office/drawing/2010/main" val="0"/>
@@ -13261,7 +15419,7 @@
           <p:nvPr/>
         </p:nvPicPr>
         <p:blipFill>
-          <a:blip r:embed="rId6">
+          <a:blip r:embed="rId7">
             <a:extLst>
               <a:ext uri="{28A0092B-C50C-407E-A947-70E740481C1C}">
                 <a14:useLocalDpi xmlns:a14="http://schemas.microsoft.com/office/drawing/2010/main" val="0"/>
@@ -13302,7 +15460,7 @@
           <p:nvPr/>
         </p:nvPicPr>
         <p:blipFill>
-          <a:blip r:embed="rId7">
+          <a:blip r:embed="rId8">
             <a:extLst>
               <a:ext uri="{28A0092B-C50C-407E-A947-70E740481C1C}">
                 <a14:useLocalDpi xmlns:a14="http://schemas.microsoft.com/office/drawing/2010/main" val="0"/>
@@ -13385,7 +15543,7 @@
             </a:r>
             <a:r>
               <a:rPr lang="zh-CN" altLang="en-US" dirty="0" smtClean="0"/>
-              <a:t>设计过程</a:t>
+              <a:t>过程简介</a:t>
             </a:r>
             <a:endParaRPr lang="zh-CN" altLang="en-US" dirty="0"/>
           </a:p>
@@ -13400,7 +15558,7 @@
           <p:nvPr/>
         </p:nvPicPr>
         <p:blipFill>
-          <a:blip r:embed="rId2">
+          <a:blip r:embed="rId3">
             <a:extLst>
               <a:ext uri="{28A0092B-C50C-407E-A947-70E740481C1C}">
                 <a14:useLocalDpi xmlns:a14="http://schemas.microsoft.com/office/drawing/2010/main" val="0"/>
@@ -13413,7 +15571,7 @@
         </p:blipFill>
         <p:spPr>
           <a:xfrm>
-            <a:off x="1295400" y="1371600"/>
+            <a:off x="2526213" y="1371600"/>
             <a:ext cx="6619875" cy="5124450"/>
           </a:xfrm>
           <a:prstGeom prst="rect">
@@ -13423,20 +15581,593 @@
       </p:pic>
       <p:sp>
         <p:nvSpPr>
-          <p:cNvPr id="6" name="Content Placeholder 5"/>
-          <p:cNvSpPr>
-            <a:spLocks noGrp="1"/>
+          <p:cNvPr id="7" name="Text Box 4"/>
+          <p:cNvSpPr txBox="1">
+            <a:spLocks noChangeArrowheads="1"/>
           </p:cNvSpPr>
-          <p:nvPr>
-            <p:ph idx="1"/>
-          </p:nvPr>
+          <p:nvPr/>
         </p:nvSpPr>
-        <p:spPr/>
+        <p:spPr bwMode="auto">
+          <a:xfrm>
+            <a:off x="339725" y="2304502"/>
+            <a:ext cx="5753221" cy="215444"/>
+          </a:xfrm>
+          <a:prstGeom prst="rect">
+            <a:avLst/>
+          </a:prstGeom>
+          <a:noFill/>
+          <a:ln>
+            <a:noFill/>
+          </a:ln>
+          <a:effectLst/>
+          <a:extLst>
+            <a:ext uri="{909E8E84-426E-40DD-AFC4-6F175D3DCCD1}">
+              <a14:hiddenFill xmlns:a14="http://schemas.microsoft.com/office/drawing/2010/main">
+                <a:solidFill>
+                  <a:srgbClr val="2D5381"/>
+                </a:solidFill>
+              </a14:hiddenFill>
+            </a:ext>
+            <a:ext uri="{91240B29-F687-4F45-9708-019B960494DF}">
+              <a14:hiddenLine xmlns:a14="http://schemas.microsoft.com/office/drawing/2010/main" w="9525" algn="ctr">
+                <a:solidFill>
+                  <a:srgbClr val="000000"/>
+                </a:solidFill>
+                <a:miter lim="800000"/>
+                <a:headEnd/>
+                <a:tailEnd/>
+              </a14:hiddenLine>
+            </a:ext>
+            <a:ext uri="{AF507438-7753-43E0-B8FC-AC1667EBCBE1}">
+              <a14:hiddenEffects xmlns:a14="http://schemas.microsoft.com/office/drawing/2010/main">
+                <a:effectLst>
+                  <a:outerShdw dist="35921" dir="2700000" algn="ctr" rotWithShape="0">
+                    <a:schemeClr val="bg2"/>
+                  </a:outerShdw>
+                </a:effectLst>
+              </a14:hiddenEffects>
+            </a:ext>
+          </a:extLst>
+        </p:spPr>
         <p:txBody>
-          <a:bodyPr/>
-          <a:lstStyle/>
+          <a:bodyPr wrap="square" lIns="0" tIns="0" rIns="0" bIns="0">
+            <a:spAutoFit/>
+          </a:bodyPr>
+          <a:lstStyle>
+            <a:lvl1pPr marL="177800" indent="-177800" eaLnBrk="0" hangingPunct="0">
+              <a:defRPr sz="2000">
+                <a:solidFill>
+                  <a:schemeClr val="tx1"/>
+                </a:solidFill>
+                <a:latin typeface="Verdana" panose="020B0604030504040204" pitchFamily="34" charset="0"/>
+                <a:ea typeface="黑体" panose="02010609060101010101" pitchFamily="49" charset="-122"/>
+              </a:defRPr>
+            </a:lvl1pPr>
+            <a:lvl2pPr marL="742950" indent="-285750" eaLnBrk="0" hangingPunct="0">
+              <a:defRPr sz="2000">
+                <a:solidFill>
+                  <a:schemeClr val="tx1"/>
+                </a:solidFill>
+                <a:latin typeface="Verdana" panose="020B0604030504040204" pitchFamily="34" charset="0"/>
+                <a:ea typeface="黑体" panose="02010609060101010101" pitchFamily="49" charset="-122"/>
+              </a:defRPr>
+            </a:lvl2pPr>
+            <a:lvl3pPr marL="1143000" indent="-228600" eaLnBrk="0" hangingPunct="0">
+              <a:defRPr sz="2000">
+                <a:solidFill>
+                  <a:schemeClr val="tx1"/>
+                </a:solidFill>
+                <a:latin typeface="Verdana" panose="020B0604030504040204" pitchFamily="34" charset="0"/>
+                <a:ea typeface="黑体" panose="02010609060101010101" pitchFamily="49" charset="-122"/>
+              </a:defRPr>
+            </a:lvl3pPr>
+            <a:lvl4pPr marL="1600200" indent="-228600" eaLnBrk="0" hangingPunct="0">
+              <a:defRPr sz="2000">
+                <a:solidFill>
+                  <a:schemeClr val="tx1"/>
+                </a:solidFill>
+                <a:latin typeface="Verdana" panose="020B0604030504040204" pitchFamily="34" charset="0"/>
+                <a:ea typeface="黑体" panose="02010609060101010101" pitchFamily="49" charset="-122"/>
+              </a:defRPr>
+            </a:lvl4pPr>
+            <a:lvl5pPr marL="2057400" indent="-228600" eaLnBrk="0" hangingPunct="0">
+              <a:defRPr sz="2000">
+                <a:solidFill>
+                  <a:schemeClr val="tx1"/>
+                </a:solidFill>
+                <a:latin typeface="Verdana" panose="020B0604030504040204" pitchFamily="34" charset="0"/>
+                <a:ea typeface="黑体" panose="02010609060101010101" pitchFamily="49" charset="-122"/>
+              </a:defRPr>
+            </a:lvl5pPr>
+            <a:lvl6pPr marL="2514600" indent="-228600" algn="ctr" eaLnBrk="0" fontAlgn="base" hangingPunct="0">
+              <a:spcBef>
+                <a:spcPct val="0"/>
+              </a:spcBef>
+              <a:spcAft>
+                <a:spcPct val="0"/>
+              </a:spcAft>
+              <a:defRPr sz="2000">
+                <a:solidFill>
+                  <a:schemeClr val="tx1"/>
+                </a:solidFill>
+                <a:latin typeface="Verdana" panose="020B0604030504040204" pitchFamily="34" charset="0"/>
+                <a:ea typeface="黑体" panose="02010609060101010101" pitchFamily="49" charset="-122"/>
+              </a:defRPr>
+            </a:lvl6pPr>
+            <a:lvl7pPr marL="2971800" indent="-228600" algn="ctr" eaLnBrk="0" fontAlgn="base" hangingPunct="0">
+              <a:spcBef>
+                <a:spcPct val="0"/>
+              </a:spcBef>
+              <a:spcAft>
+                <a:spcPct val="0"/>
+              </a:spcAft>
+              <a:defRPr sz="2000">
+                <a:solidFill>
+                  <a:schemeClr val="tx1"/>
+                </a:solidFill>
+                <a:latin typeface="Verdana" panose="020B0604030504040204" pitchFamily="34" charset="0"/>
+                <a:ea typeface="黑体" panose="02010609060101010101" pitchFamily="49" charset="-122"/>
+              </a:defRPr>
+            </a:lvl7pPr>
+            <a:lvl8pPr marL="3429000" indent="-228600" algn="ctr" eaLnBrk="0" fontAlgn="base" hangingPunct="0">
+              <a:spcBef>
+                <a:spcPct val="0"/>
+              </a:spcBef>
+              <a:spcAft>
+                <a:spcPct val="0"/>
+              </a:spcAft>
+              <a:defRPr sz="2000">
+                <a:solidFill>
+                  <a:schemeClr val="tx1"/>
+                </a:solidFill>
+                <a:latin typeface="Verdana" panose="020B0604030504040204" pitchFamily="34" charset="0"/>
+                <a:ea typeface="黑体" panose="02010609060101010101" pitchFamily="49" charset="-122"/>
+              </a:defRPr>
+            </a:lvl8pPr>
+            <a:lvl9pPr marL="3886200" indent="-228600" algn="ctr" eaLnBrk="0" fontAlgn="base" hangingPunct="0">
+              <a:spcBef>
+                <a:spcPct val="0"/>
+              </a:spcBef>
+              <a:spcAft>
+                <a:spcPct val="0"/>
+              </a:spcAft>
+              <a:defRPr sz="2000">
+                <a:solidFill>
+                  <a:schemeClr val="tx1"/>
+                </a:solidFill>
+                <a:latin typeface="Verdana" panose="020B0604030504040204" pitchFamily="34" charset="0"/>
+                <a:ea typeface="黑体" panose="02010609060101010101" pitchFamily="49" charset="-122"/>
+              </a:defRPr>
+            </a:lvl9pPr>
+          </a:lstStyle>
           <a:p>
-            <a:endParaRPr lang="zh-CN" altLang="en-US"/>
+            <a:pPr eaLnBrk="1" hangingPunct="1">
+              <a:spcBef>
+                <a:spcPct val="50000"/>
+              </a:spcBef>
+              <a:buClr>
+                <a:schemeClr val="bg2"/>
+              </a:buClr>
+              <a:buSzPct val="75000"/>
+              <a:buFont typeface="Wingdings" panose="05000000000000000000" pitchFamily="2" charset="2"/>
+              <a:buChar char="n"/>
+            </a:pPr>
+            <a:r>
+              <a:rPr lang="zh-CN" altLang="en-US" sz="1400" dirty="0"/>
+              <a:t>软件开发是一个迭代过程</a:t>
+            </a:r>
+            <a:endParaRPr lang="en-US" altLang="zh-CN" sz="1292" dirty="0" smtClean="0">
+              <a:solidFill>
+                <a:srgbClr val="000000"/>
+              </a:solidFill>
+              <a:latin typeface="黑体" panose="02010609060101010101" pitchFamily="49" charset="-122"/>
+            </a:endParaRPr>
+          </a:p>
+        </p:txBody>
+      </p:sp>
+      <p:sp>
+        <p:nvSpPr>
+          <p:cNvPr id="8" name="Text Box 4"/>
+          <p:cNvSpPr txBox="1">
+            <a:spLocks noChangeArrowheads="1"/>
+          </p:cNvSpPr>
+          <p:nvPr/>
+        </p:nvSpPr>
+        <p:spPr bwMode="auto">
+          <a:xfrm>
+            <a:off x="339725" y="3801525"/>
+            <a:ext cx="1905000" cy="944618"/>
+          </a:xfrm>
+          <a:prstGeom prst="rect">
+            <a:avLst/>
+          </a:prstGeom>
+          <a:noFill/>
+          <a:ln>
+            <a:noFill/>
+          </a:ln>
+          <a:effectLst/>
+          <a:extLst>
+            <a:ext uri="{909E8E84-426E-40DD-AFC4-6F175D3DCCD1}">
+              <a14:hiddenFill xmlns:a14="http://schemas.microsoft.com/office/drawing/2010/main">
+                <a:solidFill>
+                  <a:srgbClr val="2D5381"/>
+                </a:solidFill>
+              </a14:hiddenFill>
+            </a:ext>
+            <a:ext uri="{91240B29-F687-4F45-9708-019B960494DF}">
+              <a14:hiddenLine xmlns:a14="http://schemas.microsoft.com/office/drawing/2010/main" w="9525" algn="ctr">
+                <a:solidFill>
+                  <a:srgbClr val="000000"/>
+                </a:solidFill>
+                <a:miter lim="800000"/>
+                <a:headEnd/>
+                <a:tailEnd/>
+              </a14:hiddenLine>
+            </a:ext>
+            <a:ext uri="{AF507438-7753-43E0-B8FC-AC1667EBCBE1}">
+              <a14:hiddenEffects xmlns:a14="http://schemas.microsoft.com/office/drawing/2010/main">
+                <a:effectLst>
+                  <a:outerShdw dist="35921" dir="2700000" algn="ctr" rotWithShape="0">
+                    <a:schemeClr val="bg2"/>
+                  </a:outerShdw>
+                </a:effectLst>
+              </a14:hiddenEffects>
+            </a:ext>
+          </a:extLst>
+        </p:spPr>
+        <p:txBody>
+          <a:bodyPr wrap="square" lIns="0" tIns="0" rIns="0" bIns="0">
+            <a:spAutoFit/>
+          </a:bodyPr>
+          <a:lstStyle>
+            <a:lvl1pPr marL="177800" indent="-177800" eaLnBrk="0" hangingPunct="0">
+              <a:defRPr sz="2000">
+                <a:solidFill>
+                  <a:schemeClr val="tx1"/>
+                </a:solidFill>
+                <a:latin typeface="Verdana" panose="020B0604030504040204" pitchFamily="34" charset="0"/>
+                <a:ea typeface="黑体" panose="02010609060101010101" pitchFamily="49" charset="-122"/>
+              </a:defRPr>
+            </a:lvl1pPr>
+            <a:lvl2pPr marL="742950" indent="-285750" eaLnBrk="0" hangingPunct="0">
+              <a:defRPr sz="2000">
+                <a:solidFill>
+                  <a:schemeClr val="tx1"/>
+                </a:solidFill>
+                <a:latin typeface="Verdana" panose="020B0604030504040204" pitchFamily="34" charset="0"/>
+                <a:ea typeface="黑体" panose="02010609060101010101" pitchFamily="49" charset="-122"/>
+              </a:defRPr>
+            </a:lvl2pPr>
+            <a:lvl3pPr marL="1143000" indent="-228600" eaLnBrk="0" hangingPunct="0">
+              <a:defRPr sz="2000">
+                <a:solidFill>
+                  <a:schemeClr val="tx1"/>
+                </a:solidFill>
+                <a:latin typeface="Verdana" panose="020B0604030504040204" pitchFamily="34" charset="0"/>
+                <a:ea typeface="黑体" panose="02010609060101010101" pitchFamily="49" charset="-122"/>
+              </a:defRPr>
+            </a:lvl3pPr>
+            <a:lvl4pPr marL="1600200" indent="-228600" eaLnBrk="0" hangingPunct="0">
+              <a:defRPr sz="2000">
+                <a:solidFill>
+                  <a:schemeClr val="tx1"/>
+                </a:solidFill>
+                <a:latin typeface="Verdana" panose="020B0604030504040204" pitchFamily="34" charset="0"/>
+                <a:ea typeface="黑体" panose="02010609060101010101" pitchFamily="49" charset="-122"/>
+              </a:defRPr>
+            </a:lvl4pPr>
+            <a:lvl5pPr marL="2057400" indent="-228600" eaLnBrk="0" hangingPunct="0">
+              <a:defRPr sz="2000">
+                <a:solidFill>
+                  <a:schemeClr val="tx1"/>
+                </a:solidFill>
+                <a:latin typeface="Verdana" panose="020B0604030504040204" pitchFamily="34" charset="0"/>
+                <a:ea typeface="黑体" panose="02010609060101010101" pitchFamily="49" charset="-122"/>
+              </a:defRPr>
+            </a:lvl5pPr>
+            <a:lvl6pPr marL="2514600" indent="-228600" algn="ctr" eaLnBrk="0" fontAlgn="base" hangingPunct="0">
+              <a:spcBef>
+                <a:spcPct val="0"/>
+              </a:spcBef>
+              <a:spcAft>
+                <a:spcPct val="0"/>
+              </a:spcAft>
+              <a:defRPr sz="2000">
+                <a:solidFill>
+                  <a:schemeClr val="tx1"/>
+                </a:solidFill>
+                <a:latin typeface="Verdana" panose="020B0604030504040204" pitchFamily="34" charset="0"/>
+                <a:ea typeface="黑体" panose="02010609060101010101" pitchFamily="49" charset="-122"/>
+              </a:defRPr>
+            </a:lvl6pPr>
+            <a:lvl7pPr marL="2971800" indent="-228600" algn="ctr" eaLnBrk="0" fontAlgn="base" hangingPunct="0">
+              <a:spcBef>
+                <a:spcPct val="0"/>
+              </a:spcBef>
+              <a:spcAft>
+                <a:spcPct val="0"/>
+              </a:spcAft>
+              <a:defRPr sz="2000">
+                <a:solidFill>
+                  <a:schemeClr val="tx1"/>
+                </a:solidFill>
+                <a:latin typeface="Verdana" panose="020B0604030504040204" pitchFamily="34" charset="0"/>
+                <a:ea typeface="黑体" panose="02010609060101010101" pitchFamily="49" charset="-122"/>
+              </a:defRPr>
+            </a:lvl7pPr>
+            <a:lvl8pPr marL="3429000" indent="-228600" algn="ctr" eaLnBrk="0" fontAlgn="base" hangingPunct="0">
+              <a:spcBef>
+                <a:spcPct val="0"/>
+              </a:spcBef>
+              <a:spcAft>
+                <a:spcPct val="0"/>
+              </a:spcAft>
+              <a:defRPr sz="2000">
+                <a:solidFill>
+                  <a:schemeClr val="tx1"/>
+                </a:solidFill>
+                <a:latin typeface="Verdana" panose="020B0604030504040204" pitchFamily="34" charset="0"/>
+                <a:ea typeface="黑体" panose="02010609060101010101" pitchFamily="49" charset="-122"/>
+              </a:defRPr>
+            </a:lvl8pPr>
+            <a:lvl9pPr marL="3886200" indent="-228600" algn="ctr" eaLnBrk="0" fontAlgn="base" hangingPunct="0">
+              <a:spcBef>
+                <a:spcPct val="0"/>
+              </a:spcBef>
+              <a:spcAft>
+                <a:spcPct val="0"/>
+              </a:spcAft>
+              <a:defRPr sz="2000">
+                <a:solidFill>
+                  <a:schemeClr val="tx1"/>
+                </a:solidFill>
+                <a:latin typeface="Verdana" panose="020B0604030504040204" pitchFamily="34" charset="0"/>
+                <a:ea typeface="黑体" panose="02010609060101010101" pitchFamily="49" charset="-122"/>
+              </a:defRPr>
+            </a:lvl9pPr>
+          </a:lstStyle>
+          <a:p>
+            <a:pPr eaLnBrk="1" hangingPunct="1">
+              <a:spcBef>
+                <a:spcPct val="50000"/>
+              </a:spcBef>
+              <a:buClr>
+                <a:schemeClr val="bg2"/>
+              </a:buClr>
+              <a:buSzPct val="75000"/>
+              <a:buFont typeface="Wingdings" panose="05000000000000000000" pitchFamily="2" charset="2"/>
+              <a:buChar char="n"/>
+            </a:pPr>
+            <a:r>
+              <a:rPr lang="zh-CN" altLang="en-US" sz="1400" dirty="0" smtClean="0"/>
+              <a:t>软件开发</a:t>
+            </a:r>
+            <a:r>
+              <a:rPr lang="zh-CN" altLang="en-US" sz="1400" dirty="0"/>
+              <a:t>是以架构设计（</a:t>
+            </a:r>
+            <a:r>
+              <a:rPr lang="en-US" altLang="zh-CN" sz="1400" dirty="0"/>
+              <a:t>Architectural Design</a:t>
+            </a:r>
+            <a:r>
+              <a:rPr lang="zh-CN" altLang="en-US" sz="1400" dirty="0"/>
+              <a:t>）为中心的。</a:t>
+            </a:r>
+            <a:endParaRPr lang="en-US" altLang="zh-CN" sz="1400" dirty="0"/>
+          </a:p>
+          <a:p>
+            <a:pPr algn="l" eaLnBrk="1" hangingPunct="1">
+              <a:spcBef>
+                <a:spcPct val="50000"/>
+              </a:spcBef>
+              <a:buClr>
+                <a:schemeClr val="bg2"/>
+              </a:buClr>
+              <a:buSzPct val="75000"/>
+              <a:buFont typeface="Wingdings" panose="05000000000000000000" pitchFamily="2" charset="2"/>
+              <a:buChar char="n"/>
+            </a:pPr>
+            <a:endParaRPr lang="en-US" altLang="zh-CN" sz="1292" dirty="0" smtClean="0">
+              <a:solidFill>
+                <a:srgbClr val="000000"/>
+              </a:solidFill>
+              <a:latin typeface="黑体" panose="02010609060101010101" pitchFamily="49" charset="-122"/>
+            </a:endParaRPr>
+          </a:p>
+        </p:txBody>
+      </p:sp>
+      <p:sp>
+        <p:nvSpPr>
+          <p:cNvPr id="9" name="Text Box 4"/>
+          <p:cNvSpPr txBox="1">
+            <a:spLocks noChangeArrowheads="1"/>
+          </p:cNvSpPr>
+          <p:nvPr/>
+        </p:nvSpPr>
+        <p:spPr bwMode="auto">
+          <a:xfrm>
+            <a:off x="339725" y="2945292"/>
+            <a:ext cx="2044396" cy="430887"/>
+          </a:xfrm>
+          <a:prstGeom prst="rect">
+            <a:avLst/>
+          </a:prstGeom>
+          <a:noFill/>
+          <a:ln>
+            <a:noFill/>
+          </a:ln>
+          <a:effectLst/>
+          <a:extLst>
+            <a:ext uri="{909E8E84-426E-40DD-AFC4-6F175D3DCCD1}">
+              <a14:hiddenFill xmlns:a14="http://schemas.microsoft.com/office/drawing/2010/main">
+                <a:solidFill>
+                  <a:srgbClr val="2D5381"/>
+                </a:solidFill>
+              </a14:hiddenFill>
+            </a:ext>
+            <a:ext uri="{91240B29-F687-4F45-9708-019B960494DF}">
+              <a14:hiddenLine xmlns:a14="http://schemas.microsoft.com/office/drawing/2010/main" w="9525" algn="ctr">
+                <a:solidFill>
+                  <a:srgbClr val="000000"/>
+                </a:solidFill>
+                <a:miter lim="800000"/>
+                <a:headEnd/>
+                <a:tailEnd/>
+              </a14:hiddenLine>
+            </a:ext>
+            <a:ext uri="{AF507438-7753-43E0-B8FC-AC1667EBCBE1}">
+              <a14:hiddenEffects xmlns:a14="http://schemas.microsoft.com/office/drawing/2010/main">
+                <a:effectLst>
+                  <a:outerShdw dist="35921" dir="2700000" algn="ctr" rotWithShape="0">
+                    <a:schemeClr val="bg2"/>
+                  </a:outerShdw>
+                </a:effectLst>
+              </a14:hiddenEffects>
+            </a:ext>
+          </a:extLst>
+        </p:spPr>
+        <p:txBody>
+          <a:bodyPr wrap="square" lIns="0" tIns="0" rIns="0" bIns="0">
+            <a:spAutoFit/>
+          </a:bodyPr>
+          <a:lstStyle>
+            <a:lvl1pPr marL="177800" indent="-177800" eaLnBrk="0" hangingPunct="0">
+              <a:defRPr sz="2000">
+                <a:solidFill>
+                  <a:schemeClr val="tx1"/>
+                </a:solidFill>
+                <a:latin typeface="Verdana" panose="020B0604030504040204" pitchFamily="34" charset="0"/>
+                <a:ea typeface="黑体" panose="02010609060101010101" pitchFamily="49" charset="-122"/>
+              </a:defRPr>
+            </a:lvl1pPr>
+            <a:lvl2pPr marL="742950" indent="-285750" eaLnBrk="0" hangingPunct="0">
+              <a:defRPr sz="2000">
+                <a:solidFill>
+                  <a:schemeClr val="tx1"/>
+                </a:solidFill>
+                <a:latin typeface="Verdana" panose="020B0604030504040204" pitchFamily="34" charset="0"/>
+                <a:ea typeface="黑体" panose="02010609060101010101" pitchFamily="49" charset="-122"/>
+              </a:defRPr>
+            </a:lvl2pPr>
+            <a:lvl3pPr marL="1143000" indent="-228600" eaLnBrk="0" hangingPunct="0">
+              <a:defRPr sz="2000">
+                <a:solidFill>
+                  <a:schemeClr val="tx1"/>
+                </a:solidFill>
+                <a:latin typeface="Verdana" panose="020B0604030504040204" pitchFamily="34" charset="0"/>
+                <a:ea typeface="黑体" panose="02010609060101010101" pitchFamily="49" charset="-122"/>
+              </a:defRPr>
+            </a:lvl3pPr>
+            <a:lvl4pPr marL="1600200" indent="-228600" eaLnBrk="0" hangingPunct="0">
+              <a:defRPr sz="2000">
+                <a:solidFill>
+                  <a:schemeClr val="tx1"/>
+                </a:solidFill>
+                <a:latin typeface="Verdana" panose="020B0604030504040204" pitchFamily="34" charset="0"/>
+                <a:ea typeface="黑体" panose="02010609060101010101" pitchFamily="49" charset="-122"/>
+              </a:defRPr>
+            </a:lvl4pPr>
+            <a:lvl5pPr marL="2057400" indent="-228600" eaLnBrk="0" hangingPunct="0">
+              <a:defRPr sz="2000">
+                <a:solidFill>
+                  <a:schemeClr val="tx1"/>
+                </a:solidFill>
+                <a:latin typeface="Verdana" panose="020B0604030504040204" pitchFamily="34" charset="0"/>
+                <a:ea typeface="黑体" panose="02010609060101010101" pitchFamily="49" charset="-122"/>
+              </a:defRPr>
+            </a:lvl5pPr>
+            <a:lvl6pPr marL="2514600" indent="-228600" algn="ctr" eaLnBrk="0" fontAlgn="base" hangingPunct="0">
+              <a:spcBef>
+                <a:spcPct val="0"/>
+              </a:spcBef>
+              <a:spcAft>
+                <a:spcPct val="0"/>
+              </a:spcAft>
+              <a:defRPr sz="2000">
+                <a:solidFill>
+                  <a:schemeClr val="tx1"/>
+                </a:solidFill>
+                <a:latin typeface="Verdana" panose="020B0604030504040204" pitchFamily="34" charset="0"/>
+                <a:ea typeface="黑体" panose="02010609060101010101" pitchFamily="49" charset="-122"/>
+              </a:defRPr>
+            </a:lvl6pPr>
+            <a:lvl7pPr marL="2971800" indent="-228600" algn="ctr" eaLnBrk="0" fontAlgn="base" hangingPunct="0">
+              <a:spcBef>
+                <a:spcPct val="0"/>
+              </a:spcBef>
+              <a:spcAft>
+                <a:spcPct val="0"/>
+              </a:spcAft>
+              <a:defRPr sz="2000">
+                <a:solidFill>
+                  <a:schemeClr val="tx1"/>
+                </a:solidFill>
+                <a:latin typeface="Verdana" panose="020B0604030504040204" pitchFamily="34" charset="0"/>
+                <a:ea typeface="黑体" panose="02010609060101010101" pitchFamily="49" charset="-122"/>
+              </a:defRPr>
+            </a:lvl7pPr>
+            <a:lvl8pPr marL="3429000" indent="-228600" algn="ctr" eaLnBrk="0" fontAlgn="base" hangingPunct="0">
+              <a:spcBef>
+                <a:spcPct val="0"/>
+              </a:spcBef>
+              <a:spcAft>
+                <a:spcPct val="0"/>
+              </a:spcAft>
+              <a:defRPr sz="2000">
+                <a:solidFill>
+                  <a:schemeClr val="tx1"/>
+                </a:solidFill>
+                <a:latin typeface="Verdana" panose="020B0604030504040204" pitchFamily="34" charset="0"/>
+                <a:ea typeface="黑体" panose="02010609060101010101" pitchFamily="49" charset="-122"/>
+              </a:defRPr>
+            </a:lvl8pPr>
+            <a:lvl9pPr marL="3886200" indent="-228600" algn="ctr" eaLnBrk="0" fontAlgn="base" hangingPunct="0">
+              <a:spcBef>
+                <a:spcPct val="0"/>
+              </a:spcBef>
+              <a:spcAft>
+                <a:spcPct val="0"/>
+              </a:spcAft>
+              <a:defRPr sz="2000">
+                <a:solidFill>
+                  <a:schemeClr val="tx1"/>
+                </a:solidFill>
+                <a:latin typeface="Verdana" panose="020B0604030504040204" pitchFamily="34" charset="0"/>
+                <a:ea typeface="黑体" panose="02010609060101010101" pitchFamily="49" charset="-122"/>
+              </a:defRPr>
+            </a:lvl9pPr>
+          </a:lstStyle>
+          <a:p>
+            <a:pPr eaLnBrk="1" hangingPunct="1">
+              <a:spcBef>
+                <a:spcPct val="50000"/>
+              </a:spcBef>
+              <a:buClr>
+                <a:schemeClr val="bg2"/>
+              </a:buClr>
+              <a:buSzPct val="75000"/>
+              <a:buFont typeface="Wingdings" panose="05000000000000000000" pitchFamily="2" charset="2"/>
+              <a:buChar char="n"/>
+            </a:pPr>
+            <a:r>
+              <a:rPr lang="zh-CN" altLang="en-US" sz="1400" dirty="0"/>
+              <a:t>软件开发是由</a:t>
+            </a:r>
+            <a:r>
+              <a:rPr lang="en-US" altLang="zh-CN" sz="1400" dirty="0"/>
+              <a:t>Use Case</a:t>
+            </a:r>
+            <a:r>
+              <a:rPr lang="zh-CN" altLang="en-US" sz="1400" dirty="0"/>
+              <a:t>驱动的</a:t>
+            </a:r>
+            <a:endParaRPr lang="en-US" altLang="zh-CN" sz="1292" dirty="0" smtClean="0">
+              <a:solidFill>
+                <a:srgbClr val="000000"/>
+              </a:solidFill>
+              <a:latin typeface="黑体" panose="02010609060101010101" pitchFamily="49" charset="-122"/>
+            </a:endParaRPr>
           </a:p>
         </p:txBody>
       </p:sp>
@@ -13491,7 +16222,7 @@
             </a:r>
             <a:r>
               <a:rPr lang="zh-CN" altLang="en-US" dirty="0" smtClean="0"/>
-              <a:t>的任务分解</a:t>
+              <a:t>的设计流程</a:t>
             </a:r>
             <a:endParaRPr lang="zh-CN" altLang="en-US" dirty="0"/>
           </a:p>
@@ -13525,7 +16256,7 @@
           <p:nvPr/>
         </p:nvPicPr>
         <p:blipFill>
-          <a:blip r:embed="rId2">
+          <a:blip r:embed="rId3">
             <a:extLst>
               <a:ext uri="{28A0092B-C50C-407E-A947-70E740481C1C}">
                 <a14:useLocalDpi xmlns:a14="http://schemas.microsoft.com/office/drawing/2010/main" val="0"/>
@@ -13538,7 +16269,7 @@
         </p:blipFill>
         <p:spPr bwMode="auto">
           <a:xfrm>
-            <a:off x="2133600" y="1276350"/>
+            <a:off x="310417" y="1276350"/>
             <a:ext cx="4564328" cy="4802188"/>
           </a:xfrm>
           <a:prstGeom prst="rect">
@@ -13579,89 +16310,9 @@
           </a:extLst>
         </p:spPr>
       </p:pic>
-    </p:spTree>
-    <p:extLst>
-      <p:ext uri="{BB962C8B-B14F-4D97-AF65-F5344CB8AC3E}">
-        <p14:creationId xmlns:p14="http://schemas.microsoft.com/office/powerpoint/2010/main" val="3256946859"/>
-      </p:ext>
-    </p:extLst>
-  </p:cSld>
-  <p:clrMapOvr>
-    <a:masterClrMapping/>
-  </p:clrMapOvr>
-</p:sld>
-</file>
-
-<file path=ppt/slides/slide6.xml><?xml version="1.0" encoding="utf-8"?>
-<p:sld xmlns:a="http://schemas.openxmlformats.org/drawingml/2006/main" xmlns:r="http://schemas.openxmlformats.org/officeDocument/2006/relationships" xmlns:p="http://schemas.openxmlformats.org/presentationml/2006/main">
-  <p:cSld>
-    <p:spTree>
-      <p:nvGrpSpPr>
-        <p:cNvPr id="1" name=""/>
-        <p:cNvGrpSpPr/>
-        <p:nvPr/>
-      </p:nvGrpSpPr>
-      <p:grpSpPr>
-        <a:xfrm>
-          <a:off x="0" y="0"/>
-          <a:ext cx="0" cy="0"/>
-          <a:chOff x="0" y="0"/>
-          <a:chExt cx="0" cy="0"/>
-        </a:xfrm>
-      </p:grpSpPr>
       <p:sp>
         <p:nvSpPr>
-          <p:cNvPr id="2" name="标题 1"/>
-          <p:cNvSpPr>
-            <a:spLocks noGrp="1"/>
-          </p:cNvSpPr>
-          <p:nvPr>
-            <p:ph type="title"/>
-          </p:nvPr>
-        </p:nvSpPr>
-        <p:spPr/>
-        <p:txBody>
-          <a:bodyPr/>
-          <a:lstStyle/>
-          <a:p>
-            <a:r>
-              <a:rPr lang="zh-CN" altLang="en-US" dirty="0" smtClean="0"/>
-              <a:t>基于</a:t>
-            </a:r>
-            <a:r>
-              <a:rPr lang="en-US" altLang="zh-CN" dirty="0" smtClean="0"/>
-              <a:t>UML</a:t>
-            </a:r>
-            <a:r>
-              <a:rPr lang="zh-CN" altLang="en-US" dirty="0" smtClean="0"/>
-              <a:t>的建模过程</a:t>
-            </a:r>
-            <a:endParaRPr lang="en-US" dirty="0"/>
-          </a:p>
-        </p:txBody>
-      </p:sp>
-      <p:sp>
-        <p:nvSpPr>
-          <p:cNvPr id="3" name="内容占位符 2"/>
-          <p:cNvSpPr>
-            <a:spLocks noGrp="1"/>
-          </p:cNvSpPr>
-          <p:nvPr>
-            <p:ph idx="1"/>
-          </p:nvPr>
-        </p:nvSpPr>
-        <p:spPr/>
-        <p:txBody>
-          <a:bodyPr/>
-          <a:lstStyle/>
-          <a:p>
-            <a:endParaRPr lang="en-US"/>
-          </a:p>
-        </p:txBody>
-      </p:sp>
-      <p:sp>
-        <p:nvSpPr>
-          <p:cNvPr id="4" name="Text Box 3"/>
+          <p:cNvPr id="5" name="Text Box 3"/>
           <p:cNvSpPr txBox="1">
             <a:spLocks noChangeArrowheads="1"/>
           </p:cNvSpPr>
@@ -13669,7 +16320,7 @@
         </p:nvSpPr>
         <p:spPr bwMode="auto">
           <a:xfrm>
-            <a:off x="998538" y="1500188"/>
+            <a:off x="5257800" y="1447800"/>
             <a:ext cx="4267200" cy="3355975"/>
           </a:xfrm>
           <a:prstGeom prst="rect">
@@ -13949,7 +16600,7 @@
     </p:spTree>
     <p:extLst>
       <p:ext uri="{BB962C8B-B14F-4D97-AF65-F5344CB8AC3E}">
-        <p14:creationId xmlns:p14="http://schemas.microsoft.com/office/powerpoint/2010/main" val="2840457194"/>
+        <p14:creationId xmlns:p14="http://schemas.microsoft.com/office/powerpoint/2010/main" val="3256946859"/>
       </p:ext>
     </p:extLst>
   </p:cSld>
@@ -13959,8 +16610,8 @@
 </p:sld>
 </file>
 
-<file path=ppt/slides/slide7.xml><?xml version="1.0" encoding="utf-8"?>
-<p:sld xmlns:a="http://schemas.openxmlformats.org/drawingml/2006/main" xmlns:r="http://schemas.openxmlformats.org/officeDocument/2006/relationships" xmlns:p="http://schemas.openxmlformats.org/presentationml/2006/main">
+<file path=ppt/slides/slide6.xml><?xml version="1.0" encoding="utf-8"?>
+<p:sld xmlns:a="http://schemas.openxmlformats.org/drawingml/2006/main" xmlns:r="http://schemas.openxmlformats.org/officeDocument/2006/relationships" xmlns:p="http://schemas.openxmlformats.org/presentationml/2006/main" show="0">
   <p:cSld>
     <p:spTree>
       <p:nvGrpSpPr>
@@ -14395,12 +17046,12 @@
           <a:graphicData uri="http://schemas.openxmlformats.org/presentationml/2006/ole">
             <mc:AlternateContent xmlns:mc="http://schemas.openxmlformats.org/markup-compatibility/2006">
               <mc:Choice xmlns:v="urn:schemas-microsoft-com:vml" Requires="v">
-                <p:oleObj spid="_x0000_s4154" name="CorelDRAW 6.0" r:id="rId3" imgW="741240" imgH="475920" progId="CorelDRAW.Graphic.6">
+                <p:oleObj spid="_x0000_s4818" name="CorelDRAW 6.0" r:id="rId4" imgW="741240" imgH="475920" progId="CorelDRAW.Graphic.6">
                   <p:embed/>
                 </p:oleObj>
               </mc:Choice>
               <mc:Fallback>
-                <p:oleObj name="CorelDRAW 6.0" r:id="rId3" imgW="741240" imgH="475920" progId="CorelDRAW.Graphic.6">
+                <p:oleObj name="CorelDRAW 6.0" r:id="rId4" imgW="741240" imgH="475920" progId="CorelDRAW.Graphic.6">
                   <p:embed/>
                   <p:pic>
                     <p:nvPicPr>
@@ -14411,7 +17062,7 @@
                       <p:nvPr/>
                     </p:nvPicPr>
                     <p:blipFill>
-                      <a:blip r:embed="rId4">
+                      <a:blip r:embed="rId5">
                         <a:extLst>
                           <a:ext uri="{28A0092B-C50C-407E-A947-70E740481C1C}">
                             <a14:useLocalDpi xmlns:a14="http://schemas.microsoft.com/office/drawing/2010/main" val="0"/>
@@ -14558,12 +17209,12 @@
           <a:graphicData uri="http://schemas.openxmlformats.org/presentationml/2006/ole">
             <mc:AlternateContent xmlns:mc="http://schemas.openxmlformats.org/markup-compatibility/2006">
               <mc:Choice xmlns:v="urn:schemas-microsoft-com:vml" Requires="v">
-                <p:oleObj spid="_x0000_s4155" name="CorelDRAW 6.0" r:id="rId5" imgW="674640" imgH="483840" progId="CorelDRAW.Graphic.6">
+                <p:oleObj spid="_x0000_s4819" name="CorelDRAW 6.0" r:id="rId6" imgW="674640" imgH="483840" progId="CorelDRAW.Graphic.6">
                   <p:embed/>
                 </p:oleObj>
               </mc:Choice>
               <mc:Fallback>
-                <p:oleObj name="CorelDRAW 6.0" r:id="rId5" imgW="674640" imgH="483840" progId="CorelDRAW.Graphic.6">
+                <p:oleObj name="CorelDRAW 6.0" r:id="rId6" imgW="674640" imgH="483840" progId="CorelDRAW.Graphic.6">
                   <p:embed/>
                   <p:pic>
                     <p:nvPicPr>
@@ -14574,7 +17225,7 @@
                       <p:nvPr/>
                     </p:nvPicPr>
                     <p:blipFill>
-                      <a:blip r:embed="rId6">
+                      <a:blip r:embed="rId7">
                         <a:extLst>
                           <a:ext uri="{28A0092B-C50C-407E-A947-70E740481C1C}">
                             <a14:useLocalDpi xmlns:a14="http://schemas.microsoft.com/office/drawing/2010/main" val="0"/>
@@ -14775,12 +17426,12 @@
           <a:graphicData uri="http://schemas.openxmlformats.org/presentationml/2006/ole">
             <mc:AlternateContent xmlns:mc="http://schemas.openxmlformats.org/markup-compatibility/2006">
               <mc:Choice xmlns:v="urn:schemas-microsoft-com:vml" Requires="v">
-                <p:oleObj spid="_x0000_s4156" name="CorelDRAW 6.0" r:id="rId7" imgW="852480" imgH="433080" progId="CorelDRAW.Graphic.6">
+                <p:oleObj spid="_x0000_s4820" name="CorelDRAW 6.0" r:id="rId8" imgW="852480" imgH="433080" progId="CorelDRAW.Graphic.6">
                   <p:embed/>
                 </p:oleObj>
               </mc:Choice>
               <mc:Fallback>
-                <p:oleObj name="CorelDRAW 6.0" r:id="rId7" imgW="852480" imgH="433080" progId="CorelDRAW.Graphic.6">
+                <p:oleObj name="CorelDRAW 6.0" r:id="rId8" imgW="852480" imgH="433080" progId="CorelDRAW.Graphic.6">
                   <p:embed/>
                   <p:pic>
                     <p:nvPicPr>
@@ -14791,7 +17442,7 @@
                       <p:nvPr/>
                     </p:nvPicPr>
                     <p:blipFill>
-                      <a:blip r:embed="rId8">
+                      <a:blip r:embed="rId9">
                         <a:extLst>
                           <a:ext uri="{28A0092B-C50C-407E-A947-70E740481C1C}">
                             <a14:useLocalDpi xmlns:a14="http://schemas.microsoft.com/office/drawing/2010/main" val="0"/>
@@ -16290,12 +18941,12 @@
           <a:graphicData uri="http://schemas.openxmlformats.org/presentationml/2006/ole">
             <mc:AlternateContent xmlns:mc="http://schemas.openxmlformats.org/markup-compatibility/2006">
               <mc:Choice xmlns:v="urn:schemas-microsoft-com:vml" Requires="v">
-                <p:oleObj spid="_x0000_s4157" name="CorelDRAW 6.0" r:id="rId9" imgW="741240" imgH="475920" progId="CorelDRAW.Graphic.6">
+                <p:oleObj spid="_x0000_s4821" name="CorelDRAW 6.0" r:id="rId10" imgW="741240" imgH="475920" progId="CorelDRAW.Graphic.6">
                   <p:embed/>
                 </p:oleObj>
               </mc:Choice>
               <mc:Fallback>
-                <p:oleObj name="CorelDRAW 6.0" r:id="rId9" imgW="741240" imgH="475920" progId="CorelDRAW.Graphic.6">
+                <p:oleObj name="CorelDRAW 6.0" r:id="rId10" imgW="741240" imgH="475920" progId="CorelDRAW.Graphic.6">
                   <p:embed/>
                   <p:pic>
                     <p:nvPicPr>
@@ -16306,7 +18957,7 @@
                       <p:nvPr/>
                     </p:nvPicPr>
                     <p:blipFill>
-                      <a:blip r:embed="rId4">
+                      <a:blip r:embed="rId5">
                         <a:extLst>
                           <a:ext uri="{28A0092B-C50C-407E-A947-70E740481C1C}">
                             <a14:useLocalDpi xmlns:a14="http://schemas.microsoft.com/office/drawing/2010/main" val="0"/>
@@ -18072,10 +20723,18 @@
   <p:clrMapOvr>
     <a:masterClrMapping/>
   </p:clrMapOvr>
+  <mc:AlternateContent xmlns:mc="http://schemas.openxmlformats.org/markup-compatibility/2006">
+    <mc:Choice xmlns:p14="http://schemas.microsoft.com/office/powerpoint/2010/main" Requires="p14">
+      <p:transition spd="slow" p14:dur="2000"/>
+    </mc:Choice>
+    <mc:Fallback>
+      <p:transition spd="slow"/>
+    </mc:Fallback>
+  </mc:AlternateContent>
 </p:sld>
 </file>
 
-<file path=ppt/slides/slide8.xml><?xml version="1.0" encoding="utf-8"?>
+<file path=ppt/slides/slide7.xml><?xml version="1.0" encoding="utf-8"?>
 <p:sld xmlns:a="http://schemas.openxmlformats.org/drawingml/2006/main" xmlns:r="http://schemas.openxmlformats.org/officeDocument/2006/relationships" xmlns:p="http://schemas.openxmlformats.org/presentationml/2006/main">
   <p:cSld>
     <p:spTree>
@@ -18113,7 +20772,7 @@
             </a:r>
             <a:r>
               <a:rPr lang="zh-CN" altLang="en-US" dirty="0" smtClean="0"/>
-              <a:t>的作用</a:t>
+              <a:t>可以和开发过程紧密结合</a:t>
             </a:r>
             <a:endParaRPr lang="en-US" dirty="0"/>
           </a:p>
@@ -20623,7 +23282,7 @@
 </p:sld>
 </file>
 
-<file path=ppt/slides/slide9.xml><?xml version="1.0" encoding="utf-8"?>
+<file path=ppt/slides/slide8.xml><?xml version="1.0" encoding="utf-8"?>
 <p:sld xmlns:a="http://schemas.openxmlformats.org/drawingml/2006/main" xmlns:r="http://schemas.openxmlformats.org/officeDocument/2006/relationships" xmlns:p="http://schemas.openxmlformats.org/presentationml/2006/main">
   <p:cSld>
     <p:spTree>
@@ -20660,8 +23319,12 @@
               <a:t>RSA</a:t>
             </a:r>
             <a:r>
+              <a:rPr lang="zh-CN" altLang="en-US" dirty="0"/>
+              <a:t>在</a:t>
+            </a:r>
+            <a:r>
               <a:rPr lang="zh-CN" altLang="en-US" dirty="0" smtClean="0"/>
-              <a:t>的优点</a:t>
+              <a:t>建模工具中处于先进地位</a:t>
             </a:r>
             <a:endParaRPr lang="en-US" dirty="0"/>
           </a:p>
@@ -24886,6 +27549,700 @@
     <p:extLst>
       <p:ext uri="{BB962C8B-B14F-4D97-AF65-F5344CB8AC3E}">
         <p14:creationId xmlns:p14="http://schemas.microsoft.com/office/powerpoint/2010/main" val="2745967503"/>
+      </p:ext>
+    </p:extLst>
+  </p:cSld>
+  <p:clrMapOvr>
+    <a:masterClrMapping/>
+  </p:clrMapOvr>
+</p:sld>
+</file>
+
+<file path=ppt/slides/slide9.xml><?xml version="1.0" encoding="utf-8"?>
+<p:sld xmlns:a="http://schemas.openxmlformats.org/drawingml/2006/main" xmlns:r="http://schemas.openxmlformats.org/officeDocument/2006/relationships" xmlns:p="http://schemas.openxmlformats.org/presentationml/2006/main">
+  <p:cSld>
+    <p:spTree>
+      <p:nvGrpSpPr>
+        <p:cNvPr id="1" name=""/>
+        <p:cNvGrpSpPr/>
+        <p:nvPr/>
+      </p:nvGrpSpPr>
+      <p:grpSpPr>
+        <a:xfrm>
+          <a:off x="0" y="0"/>
+          <a:ext cx="0" cy="0"/>
+          <a:chOff x="0" y="0"/>
+          <a:chExt cx="0" cy="0"/>
+        </a:xfrm>
+      </p:grpSpPr>
+      <p:sp>
+        <p:nvSpPr>
+          <p:cNvPr id="2" name="标题 1"/>
+          <p:cNvSpPr>
+            <a:spLocks noGrp="1"/>
+          </p:cNvSpPr>
+          <p:nvPr>
+            <p:ph type="title"/>
+          </p:nvPr>
+        </p:nvSpPr>
+        <p:spPr/>
+        <p:txBody>
+          <a:bodyPr/>
+          <a:lstStyle/>
+          <a:p>
+            <a:r>
+              <a:rPr lang="en-US" altLang="zh-CN" dirty="0" smtClean="0"/>
+              <a:t>RSA</a:t>
+            </a:r>
+            <a:r>
+              <a:rPr lang="zh-CN" altLang="en-US" dirty="0" smtClean="0"/>
+              <a:t>使用的常见问题</a:t>
+            </a:r>
+            <a:endParaRPr lang="en-US" dirty="0"/>
+          </a:p>
+        </p:txBody>
+      </p:sp>
+      <p:sp>
+        <p:nvSpPr>
+          <p:cNvPr id="3" name="内容占位符 2"/>
+          <p:cNvSpPr>
+            <a:spLocks noGrp="1"/>
+          </p:cNvSpPr>
+          <p:nvPr>
+            <p:ph idx="1"/>
+          </p:nvPr>
+        </p:nvSpPr>
+        <p:spPr/>
+        <p:txBody>
+          <a:bodyPr/>
+          <a:lstStyle/>
+          <a:p>
+            <a:endParaRPr lang="en-US" dirty="0"/>
+          </a:p>
+        </p:txBody>
+      </p:sp>
+      <p:sp>
+        <p:nvSpPr>
+          <p:cNvPr id="4" name="Text Box 4"/>
+          <p:cNvSpPr txBox="1">
+            <a:spLocks noChangeArrowheads="1"/>
+          </p:cNvSpPr>
+          <p:nvPr/>
+        </p:nvSpPr>
+        <p:spPr bwMode="auto">
+          <a:xfrm>
+            <a:off x="1716024" y="1824771"/>
+            <a:ext cx="5753221" cy="738664"/>
+          </a:xfrm>
+          <a:prstGeom prst="rect">
+            <a:avLst/>
+          </a:prstGeom>
+          <a:noFill/>
+          <a:ln>
+            <a:noFill/>
+          </a:ln>
+          <a:effectLst/>
+          <a:extLst>
+            <a:ext uri="{909E8E84-426E-40DD-AFC4-6F175D3DCCD1}">
+              <a14:hiddenFill xmlns:a14="http://schemas.microsoft.com/office/drawing/2010/main">
+                <a:solidFill>
+                  <a:srgbClr val="2D5381"/>
+                </a:solidFill>
+              </a14:hiddenFill>
+            </a:ext>
+            <a:ext uri="{91240B29-F687-4F45-9708-019B960494DF}">
+              <a14:hiddenLine xmlns:a14="http://schemas.microsoft.com/office/drawing/2010/main" w="9525" algn="ctr">
+                <a:solidFill>
+                  <a:srgbClr val="000000"/>
+                </a:solidFill>
+                <a:miter lim="800000"/>
+                <a:headEnd/>
+                <a:tailEnd/>
+              </a14:hiddenLine>
+            </a:ext>
+            <a:ext uri="{AF507438-7753-43E0-B8FC-AC1667EBCBE1}">
+              <a14:hiddenEffects xmlns:a14="http://schemas.microsoft.com/office/drawing/2010/main">
+                <a:effectLst>
+                  <a:outerShdw dist="35921" dir="2700000" algn="ctr" rotWithShape="0">
+                    <a:schemeClr val="bg2"/>
+                  </a:outerShdw>
+                </a:effectLst>
+              </a14:hiddenEffects>
+            </a:ext>
+          </a:extLst>
+        </p:spPr>
+        <p:txBody>
+          <a:bodyPr wrap="square" lIns="0" tIns="0" rIns="0" bIns="0">
+            <a:spAutoFit/>
+          </a:bodyPr>
+          <a:lstStyle>
+            <a:lvl1pPr marL="177800" indent="-177800" eaLnBrk="0" hangingPunct="0">
+              <a:defRPr sz="2000">
+                <a:solidFill>
+                  <a:schemeClr val="tx1"/>
+                </a:solidFill>
+                <a:latin typeface="Verdana" panose="020B0604030504040204" pitchFamily="34" charset="0"/>
+                <a:ea typeface="黑体" panose="02010609060101010101" pitchFamily="49" charset="-122"/>
+              </a:defRPr>
+            </a:lvl1pPr>
+            <a:lvl2pPr marL="742950" indent="-285750" eaLnBrk="0" hangingPunct="0">
+              <a:defRPr sz="2000">
+                <a:solidFill>
+                  <a:schemeClr val="tx1"/>
+                </a:solidFill>
+                <a:latin typeface="Verdana" panose="020B0604030504040204" pitchFamily="34" charset="0"/>
+                <a:ea typeface="黑体" panose="02010609060101010101" pitchFamily="49" charset="-122"/>
+              </a:defRPr>
+            </a:lvl2pPr>
+            <a:lvl3pPr marL="1143000" indent="-228600" eaLnBrk="0" hangingPunct="0">
+              <a:defRPr sz="2000">
+                <a:solidFill>
+                  <a:schemeClr val="tx1"/>
+                </a:solidFill>
+                <a:latin typeface="Verdana" panose="020B0604030504040204" pitchFamily="34" charset="0"/>
+                <a:ea typeface="黑体" panose="02010609060101010101" pitchFamily="49" charset="-122"/>
+              </a:defRPr>
+            </a:lvl3pPr>
+            <a:lvl4pPr marL="1600200" indent="-228600" eaLnBrk="0" hangingPunct="0">
+              <a:defRPr sz="2000">
+                <a:solidFill>
+                  <a:schemeClr val="tx1"/>
+                </a:solidFill>
+                <a:latin typeface="Verdana" panose="020B0604030504040204" pitchFamily="34" charset="0"/>
+                <a:ea typeface="黑体" panose="02010609060101010101" pitchFamily="49" charset="-122"/>
+              </a:defRPr>
+            </a:lvl4pPr>
+            <a:lvl5pPr marL="2057400" indent="-228600" eaLnBrk="0" hangingPunct="0">
+              <a:defRPr sz="2000">
+                <a:solidFill>
+                  <a:schemeClr val="tx1"/>
+                </a:solidFill>
+                <a:latin typeface="Verdana" panose="020B0604030504040204" pitchFamily="34" charset="0"/>
+                <a:ea typeface="黑体" panose="02010609060101010101" pitchFamily="49" charset="-122"/>
+              </a:defRPr>
+            </a:lvl5pPr>
+            <a:lvl6pPr marL="2514600" indent="-228600" algn="ctr" eaLnBrk="0" fontAlgn="base" hangingPunct="0">
+              <a:spcBef>
+                <a:spcPct val="0"/>
+              </a:spcBef>
+              <a:spcAft>
+                <a:spcPct val="0"/>
+              </a:spcAft>
+              <a:defRPr sz="2000">
+                <a:solidFill>
+                  <a:schemeClr val="tx1"/>
+                </a:solidFill>
+                <a:latin typeface="Verdana" panose="020B0604030504040204" pitchFamily="34" charset="0"/>
+                <a:ea typeface="黑体" panose="02010609060101010101" pitchFamily="49" charset="-122"/>
+              </a:defRPr>
+            </a:lvl6pPr>
+            <a:lvl7pPr marL="2971800" indent="-228600" algn="ctr" eaLnBrk="0" fontAlgn="base" hangingPunct="0">
+              <a:spcBef>
+                <a:spcPct val="0"/>
+              </a:spcBef>
+              <a:spcAft>
+                <a:spcPct val="0"/>
+              </a:spcAft>
+              <a:defRPr sz="2000">
+                <a:solidFill>
+                  <a:schemeClr val="tx1"/>
+                </a:solidFill>
+                <a:latin typeface="Verdana" panose="020B0604030504040204" pitchFamily="34" charset="0"/>
+                <a:ea typeface="黑体" panose="02010609060101010101" pitchFamily="49" charset="-122"/>
+              </a:defRPr>
+            </a:lvl7pPr>
+            <a:lvl8pPr marL="3429000" indent="-228600" algn="ctr" eaLnBrk="0" fontAlgn="base" hangingPunct="0">
+              <a:spcBef>
+                <a:spcPct val="0"/>
+              </a:spcBef>
+              <a:spcAft>
+                <a:spcPct val="0"/>
+              </a:spcAft>
+              <a:defRPr sz="2000">
+                <a:solidFill>
+                  <a:schemeClr val="tx1"/>
+                </a:solidFill>
+                <a:latin typeface="Verdana" panose="020B0604030504040204" pitchFamily="34" charset="0"/>
+                <a:ea typeface="黑体" panose="02010609060101010101" pitchFamily="49" charset="-122"/>
+              </a:defRPr>
+            </a:lvl8pPr>
+            <a:lvl9pPr marL="3886200" indent="-228600" algn="ctr" eaLnBrk="0" fontAlgn="base" hangingPunct="0">
+              <a:spcBef>
+                <a:spcPct val="0"/>
+              </a:spcBef>
+              <a:spcAft>
+                <a:spcPct val="0"/>
+              </a:spcAft>
+              <a:defRPr sz="2000">
+                <a:solidFill>
+                  <a:schemeClr val="tx1"/>
+                </a:solidFill>
+                <a:latin typeface="Verdana" panose="020B0604030504040204" pitchFamily="34" charset="0"/>
+                <a:ea typeface="黑体" panose="02010609060101010101" pitchFamily="49" charset="-122"/>
+              </a:defRPr>
+            </a:lvl9pPr>
+          </a:lstStyle>
+          <a:p>
+            <a:pPr algn="l" eaLnBrk="1" hangingPunct="1">
+              <a:spcBef>
+                <a:spcPct val="50000"/>
+              </a:spcBef>
+              <a:buClr>
+                <a:schemeClr val="bg2"/>
+              </a:buClr>
+              <a:buSzPct val="75000"/>
+              <a:buFont typeface="Wingdings" panose="05000000000000000000" pitchFamily="2" charset="2"/>
+              <a:buChar char="n"/>
+            </a:pPr>
+            <a:r>
+              <a:rPr lang="en-US" altLang="zh-CN" sz="2400" dirty="0" smtClean="0">
+                <a:solidFill>
+                  <a:srgbClr val="000000"/>
+                </a:solidFill>
+                <a:latin typeface="黑体" panose="02010609060101010101" pitchFamily="49" charset="-122"/>
+              </a:rPr>
+              <a:t>RSA</a:t>
+            </a:r>
+            <a:r>
+              <a:rPr lang="zh-CN" altLang="en-US" sz="2400" dirty="0" smtClean="0">
+                <a:solidFill>
+                  <a:srgbClr val="000000"/>
+                </a:solidFill>
+                <a:latin typeface="黑体" panose="02010609060101010101" pitchFamily="49" charset="-122"/>
+              </a:rPr>
+              <a:t>对大规模项目适用，小项目适用会不会降低开发效率？</a:t>
+            </a:r>
+            <a:endParaRPr lang="zh-CN" altLang="en-US" sz="2400" dirty="0">
+              <a:solidFill>
+                <a:srgbClr val="000000"/>
+              </a:solidFill>
+              <a:latin typeface="黑体" panose="02010609060101010101" pitchFamily="49" charset="-122"/>
+            </a:endParaRPr>
+          </a:p>
+        </p:txBody>
+      </p:sp>
+      <p:sp>
+        <p:nvSpPr>
+          <p:cNvPr id="5" name="Text Box 4"/>
+          <p:cNvSpPr txBox="1">
+            <a:spLocks noChangeArrowheads="1"/>
+          </p:cNvSpPr>
+          <p:nvPr/>
+        </p:nvSpPr>
+        <p:spPr bwMode="auto">
+          <a:xfrm>
+            <a:off x="1696976" y="2895600"/>
+            <a:ext cx="5753221" cy="738664"/>
+          </a:xfrm>
+          <a:prstGeom prst="rect">
+            <a:avLst/>
+          </a:prstGeom>
+          <a:noFill/>
+          <a:ln>
+            <a:noFill/>
+          </a:ln>
+          <a:effectLst/>
+          <a:extLst>
+            <a:ext uri="{909E8E84-426E-40DD-AFC4-6F175D3DCCD1}">
+              <a14:hiddenFill xmlns:a14="http://schemas.microsoft.com/office/drawing/2010/main">
+                <a:solidFill>
+                  <a:srgbClr val="2D5381"/>
+                </a:solidFill>
+              </a14:hiddenFill>
+            </a:ext>
+            <a:ext uri="{91240B29-F687-4F45-9708-019B960494DF}">
+              <a14:hiddenLine xmlns:a14="http://schemas.microsoft.com/office/drawing/2010/main" w="9525" algn="ctr">
+                <a:solidFill>
+                  <a:srgbClr val="000000"/>
+                </a:solidFill>
+                <a:miter lim="800000"/>
+                <a:headEnd/>
+                <a:tailEnd/>
+              </a14:hiddenLine>
+            </a:ext>
+            <a:ext uri="{AF507438-7753-43E0-B8FC-AC1667EBCBE1}">
+              <a14:hiddenEffects xmlns:a14="http://schemas.microsoft.com/office/drawing/2010/main">
+                <a:effectLst>
+                  <a:outerShdw dist="35921" dir="2700000" algn="ctr" rotWithShape="0">
+                    <a:schemeClr val="bg2"/>
+                  </a:outerShdw>
+                </a:effectLst>
+              </a14:hiddenEffects>
+            </a:ext>
+          </a:extLst>
+        </p:spPr>
+        <p:txBody>
+          <a:bodyPr wrap="square" lIns="0" tIns="0" rIns="0" bIns="0">
+            <a:spAutoFit/>
+          </a:bodyPr>
+          <a:lstStyle>
+            <a:lvl1pPr marL="177800" indent="-177800" eaLnBrk="0" hangingPunct="0">
+              <a:defRPr sz="2000">
+                <a:solidFill>
+                  <a:schemeClr val="tx1"/>
+                </a:solidFill>
+                <a:latin typeface="Verdana" panose="020B0604030504040204" pitchFamily="34" charset="0"/>
+                <a:ea typeface="黑体" panose="02010609060101010101" pitchFamily="49" charset="-122"/>
+              </a:defRPr>
+            </a:lvl1pPr>
+            <a:lvl2pPr marL="742950" indent="-285750" eaLnBrk="0" hangingPunct="0">
+              <a:defRPr sz="2000">
+                <a:solidFill>
+                  <a:schemeClr val="tx1"/>
+                </a:solidFill>
+                <a:latin typeface="Verdana" panose="020B0604030504040204" pitchFamily="34" charset="0"/>
+                <a:ea typeface="黑体" panose="02010609060101010101" pitchFamily="49" charset="-122"/>
+              </a:defRPr>
+            </a:lvl2pPr>
+            <a:lvl3pPr marL="1143000" indent="-228600" eaLnBrk="0" hangingPunct="0">
+              <a:defRPr sz="2000">
+                <a:solidFill>
+                  <a:schemeClr val="tx1"/>
+                </a:solidFill>
+                <a:latin typeface="Verdana" panose="020B0604030504040204" pitchFamily="34" charset="0"/>
+                <a:ea typeface="黑体" panose="02010609060101010101" pitchFamily="49" charset="-122"/>
+              </a:defRPr>
+            </a:lvl3pPr>
+            <a:lvl4pPr marL="1600200" indent="-228600" eaLnBrk="0" hangingPunct="0">
+              <a:defRPr sz="2000">
+                <a:solidFill>
+                  <a:schemeClr val="tx1"/>
+                </a:solidFill>
+                <a:latin typeface="Verdana" panose="020B0604030504040204" pitchFamily="34" charset="0"/>
+                <a:ea typeface="黑体" panose="02010609060101010101" pitchFamily="49" charset="-122"/>
+              </a:defRPr>
+            </a:lvl4pPr>
+            <a:lvl5pPr marL="2057400" indent="-228600" eaLnBrk="0" hangingPunct="0">
+              <a:defRPr sz="2000">
+                <a:solidFill>
+                  <a:schemeClr val="tx1"/>
+                </a:solidFill>
+                <a:latin typeface="Verdana" panose="020B0604030504040204" pitchFamily="34" charset="0"/>
+                <a:ea typeface="黑体" panose="02010609060101010101" pitchFamily="49" charset="-122"/>
+              </a:defRPr>
+            </a:lvl5pPr>
+            <a:lvl6pPr marL="2514600" indent="-228600" algn="ctr" eaLnBrk="0" fontAlgn="base" hangingPunct="0">
+              <a:spcBef>
+                <a:spcPct val="0"/>
+              </a:spcBef>
+              <a:spcAft>
+                <a:spcPct val="0"/>
+              </a:spcAft>
+              <a:defRPr sz="2000">
+                <a:solidFill>
+                  <a:schemeClr val="tx1"/>
+                </a:solidFill>
+                <a:latin typeface="Verdana" panose="020B0604030504040204" pitchFamily="34" charset="0"/>
+                <a:ea typeface="黑体" panose="02010609060101010101" pitchFamily="49" charset="-122"/>
+              </a:defRPr>
+            </a:lvl6pPr>
+            <a:lvl7pPr marL="2971800" indent="-228600" algn="ctr" eaLnBrk="0" fontAlgn="base" hangingPunct="0">
+              <a:spcBef>
+                <a:spcPct val="0"/>
+              </a:spcBef>
+              <a:spcAft>
+                <a:spcPct val="0"/>
+              </a:spcAft>
+              <a:defRPr sz="2000">
+                <a:solidFill>
+                  <a:schemeClr val="tx1"/>
+                </a:solidFill>
+                <a:latin typeface="Verdana" panose="020B0604030504040204" pitchFamily="34" charset="0"/>
+                <a:ea typeface="黑体" panose="02010609060101010101" pitchFamily="49" charset="-122"/>
+              </a:defRPr>
+            </a:lvl7pPr>
+            <a:lvl8pPr marL="3429000" indent="-228600" algn="ctr" eaLnBrk="0" fontAlgn="base" hangingPunct="0">
+              <a:spcBef>
+                <a:spcPct val="0"/>
+              </a:spcBef>
+              <a:spcAft>
+                <a:spcPct val="0"/>
+              </a:spcAft>
+              <a:defRPr sz="2000">
+                <a:solidFill>
+                  <a:schemeClr val="tx1"/>
+                </a:solidFill>
+                <a:latin typeface="Verdana" panose="020B0604030504040204" pitchFamily="34" charset="0"/>
+                <a:ea typeface="黑体" panose="02010609060101010101" pitchFamily="49" charset="-122"/>
+              </a:defRPr>
+            </a:lvl8pPr>
+            <a:lvl9pPr marL="3886200" indent="-228600" algn="ctr" eaLnBrk="0" fontAlgn="base" hangingPunct="0">
+              <a:spcBef>
+                <a:spcPct val="0"/>
+              </a:spcBef>
+              <a:spcAft>
+                <a:spcPct val="0"/>
+              </a:spcAft>
+              <a:defRPr sz="2000">
+                <a:solidFill>
+                  <a:schemeClr val="tx1"/>
+                </a:solidFill>
+                <a:latin typeface="Verdana" panose="020B0604030504040204" pitchFamily="34" charset="0"/>
+                <a:ea typeface="黑体" panose="02010609060101010101" pitchFamily="49" charset="-122"/>
+              </a:defRPr>
+            </a:lvl9pPr>
+          </a:lstStyle>
+          <a:p>
+            <a:pPr algn="l" eaLnBrk="1" hangingPunct="1">
+              <a:spcBef>
+                <a:spcPct val="50000"/>
+              </a:spcBef>
+              <a:buClr>
+                <a:schemeClr val="bg2"/>
+              </a:buClr>
+              <a:buSzPct val="75000"/>
+              <a:buFont typeface="Wingdings" panose="05000000000000000000" pitchFamily="2" charset="2"/>
+              <a:buChar char="n"/>
+            </a:pPr>
+            <a:r>
+              <a:rPr lang="zh-CN" altLang="en-US" sz="2400" dirty="0" smtClean="0">
+                <a:solidFill>
+                  <a:srgbClr val="000000"/>
+                </a:solidFill>
+                <a:latin typeface="黑体" panose="02010609060101010101" pitchFamily="49" charset="-122"/>
+              </a:rPr>
+              <a:t>现在有敏捷编程，极限编程等新锐开发方法，</a:t>
+            </a:r>
+            <a:r>
+              <a:rPr lang="en-US" altLang="zh-CN" sz="2400" dirty="0" smtClean="0">
+                <a:solidFill>
+                  <a:srgbClr val="000000"/>
+                </a:solidFill>
+                <a:latin typeface="黑体" panose="02010609060101010101" pitchFamily="49" charset="-122"/>
+              </a:rPr>
+              <a:t>RSA</a:t>
+            </a:r>
+            <a:r>
+              <a:rPr lang="zh-CN" altLang="en-US" sz="2400" dirty="0" smtClean="0">
+                <a:solidFill>
+                  <a:srgbClr val="000000"/>
+                </a:solidFill>
+                <a:latin typeface="黑体" panose="02010609060101010101" pitchFamily="49" charset="-122"/>
+              </a:rPr>
+              <a:t>是否过时？</a:t>
+            </a:r>
+            <a:endParaRPr lang="zh-CN" altLang="en-US" sz="2400" dirty="0">
+              <a:solidFill>
+                <a:srgbClr val="000000"/>
+              </a:solidFill>
+              <a:latin typeface="黑体" panose="02010609060101010101" pitchFamily="49" charset="-122"/>
+            </a:endParaRPr>
+          </a:p>
+        </p:txBody>
+      </p:sp>
+      <p:sp>
+        <p:nvSpPr>
+          <p:cNvPr id="6" name="Text Box 4"/>
+          <p:cNvSpPr txBox="1">
+            <a:spLocks noChangeArrowheads="1"/>
+          </p:cNvSpPr>
+          <p:nvPr/>
+        </p:nvSpPr>
+        <p:spPr bwMode="auto">
+          <a:xfrm>
+            <a:off x="1716024" y="4054498"/>
+            <a:ext cx="5753221" cy="738664"/>
+          </a:xfrm>
+          <a:prstGeom prst="rect">
+            <a:avLst/>
+          </a:prstGeom>
+          <a:noFill/>
+          <a:ln>
+            <a:noFill/>
+          </a:ln>
+          <a:effectLst/>
+          <a:extLst>
+            <a:ext uri="{909E8E84-426E-40DD-AFC4-6F175D3DCCD1}">
+              <a14:hiddenFill xmlns:a14="http://schemas.microsoft.com/office/drawing/2010/main">
+                <a:solidFill>
+                  <a:srgbClr val="2D5381"/>
+                </a:solidFill>
+              </a14:hiddenFill>
+            </a:ext>
+            <a:ext uri="{91240B29-F687-4F45-9708-019B960494DF}">
+              <a14:hiddenLine xmlns:a14="http://schemas.microsoft.com/office/drawing/2010/main" w="9525" algn="ctr">
+                <a:solidFill>
+                  <a:srgbClr val="000000"/>
+                </a:solidFill>
+                <a:miter lim="800000"/>
+                <a:headEnd/>
+                <a:tailEnd/>
+              </a14:hiddenLine>
+            </a:ext>
+            <a:ext uri="{AF507438-7753-43E0-B8FC-AC1667EBCBE1}">
+              <a14:hiddenEffects xmlns:a14="http://schemas.microsoft.com/office/drawing/2010/main">
+                <a:effectLst>
+                  <a:outerShdw dist="35921" dir="2700000" algn="ctr" rotWithShape="0">
+                    <a:schemeClr val="bg2"/>
+                  </a:outerShdw>
+                </a:effectLst>
+              </a14:hiddenEffects>
+            </a:ext>
+          </a:extLst>
+        </p:spPr>
+        <p:txBody>
+          <a:bodyPr wrap="square" lIns="0" tIns="0" rIns="0" bIns="0">
+            <a:spAutoFit/>
+          </a:bodyPr>
+          <a:lstStyle>
+            <a:lvl1pPr marL="177800" indent="-177800" eaLnBrk="0" hangingPunct="0">
+              <a:defRPr sz="2000">
+                <a:solidFill>
+                  <a:schemeClr val="tx1"/>
+                </a:solidFill>
+                <a:latin typeface="Verdana" panose="020B0604030504040204" pitchFamily="34" charset="0"/>
+                <a:ea typeface="黑体" panose="02010609060101010101" pitchFamily="49" charset="-122"/>
+              </a:defRPr>
+            </a:lvl1pPr>
+            <a:lvl2pPr marL="742950" indent="-285750" eaLnBrk="0" hangingPunct="0">
+              <a:defRPr sz="2000">
+                <a:solidFill>
+                  <a:schemeClr val="tx1"/>
+                </a:solidFill>
+                <a:latin typeface="Verdana" panose="020B0604030504040204" pitchFamily="34" charset="0"/>
+                <a:ea typeface="黑体" panose="02010609060101010101" pitchFamily="49" charset="-122"/>
+              </a:defRPr>
+            </a:lvl2pPr>
+            <a:lvl3pPr marL="1143000" indent="-228600" eaLnBrk="0" hangingPunct="0">
+              <a:defRPr sz="2000">
+                <a:solidFill>
+                  <a:schemeClr val="tx1"/>
+                </a:solidFill>
+                <a:latin typeface="Verdana" panose="020B0604030504040204" pitchFamily="34" charset="0"/>
+                <a:ea typeface="黑体" panose="02010609060101010101" pitchFamily="49" charset="-122"/>
+              </a:defRPr>
+            </a:lvl3pPr>
+            <a:lvl4pPr marL="1600200" indent="-228600" eaLnBrk="0" hangingPunct="0">
+              <a:defRPr sz="2000">
+                <a:solidFill>
+                  <a:schemeClr val="tx1"/>
+                </a:solidFill>
+                <a:latin typeface="Verdana" panose="020B0604030504040204" pitchFamily="34" charset="0"/>
+                <a:ea typeface="黑体" panose="02010609060101010101" pitchFamily="49" charset="-122"/>
+              </a:defRPr>
+            </a:lvl4pPr>
+            <a:lvl5pPr marL="2057400" indent="-228600" eaLnBrk="0" hangingPunct="0">
+              <a:defRPr sz="2000">
+                <a:solidFill>
+                  <a:schemeClr val="tx1"/>
+                </a:solidFill>
+                <a:latin typeface="Verdana" panose="020B0604030504040204" pitchFamily="34" charset="0"/>
+                <a:ea typeface="黑体" panose="02010609060101010101" pitchFamily="49" charset="-122"/>
+              </a:defRPr>
+            </a:lvl5pPr>
+            <a:lvl6pPr marL="2514600" indent="-228600" algn="ctr" eaLnBrk="0" fontAlgn="base" hangingPunct="0">
+              <a:spcBef>
+                <a:spcPct val="0"/>
+              </a:spcBef>
+              <a:spcAft>
+                <a:spcPct val="0"/>
+              </a:spcAft>
+              <a:defRPr sz="2000">
+                <a:solidFill>
+                  <a:schemeClr val="tx1"/>
+                </a:solidFill>
+                <a:latin typeface="Verdana" panose="020B0604030504040204" pitchFamily="34" charset="0"/>
+                <a:ea typeface="黑体" panose="02010609060101010101" pitchFamily="49" charset="-122"/>
+              </a:defRPr>
+            </a:lvl6pPr>
+            <a:lvl7pPr marL="2971800" indent="-228600" algn="ctr" eaLnBrk="0" fontAlgn="base" hangingPunct="0">
+              <a:spcBef>
+                <a:spcPct val="0"/>
+              </a:spcBef>
+              <a:spcAft>
+                <a:spcPct val="0"/>
+              </a:spcAft>
+              <a:defRPr sz="2000">
+                <a:solidFill>
+                  <a:schemeClr val="tx1"/>
+                </a:solidFill>
+                <a:latin typeface="Verdana" panose="020B0604030504040204" pitchFamily="34" charset="0"/>
+                <a:ea typeface="黑体" panose="02010609060101010101" pitchFamily="49" charset="-122"/>
+              </a:defRPr>
+            </a:lvl7pPr>
+            <a:lvl8pPr marL="3429000" indent="-228600" algn="ctr" eaLnBrk="0" fontAlgn="base" hangingPunct="0">
+              <a:spcBef>
+                <a:spcPct val="0"/>
+              </a:spcBef>
+              <a:spcAft>
+                <a:spcPct val="0"/>
+              </a:spcAft>
+              <a:defRPr sz="2000">
+                <a:solidFill>
+                  <a:schemeClr val="tx1"/>
+                </a:solidFill>
+                <a:latin typeface="Verdana" panose="020B0604030504040204" pitchFamily="34" charset="0"/>
+                <a:ea typeface="黑体" panose="02010609060101010101" pitchFamily="49" charset="-122"/>
+              </a:defRPr>
+            </a:lvl8pPr>
+            <a:lvl9pPr marL="3886200" indent="-228600" algn="ctr" eaLnBrk="0" fontAlgn="base" hangingPunct="0">
+              <a:spcBef>
+                <a:spcPct val="0"/>
+              </a:spcBef>
+              <a:spcAft>
+                <a:spcPct val="0"/>
+              </a:spcAft>
+              <a:defRPr sz="2000">
+                <a:solidFill>
+                  <a:schemeClr val="tx1"/>
+                </a:solidFill>
+                <a:latin typeface="Verdana" panose="020B0604030504040204" pitchFamily="34" charset="0"/>
+                <a:ea typeface="黑体" panose="02010609060101010101" pitchFamily="49" charset="-122"/>
+              </a:defRPr>
+            </a:lvl9pPr>
+          </a:lstStyle>
+          <a:p>
+            <a:pPr algn="l" eaLnBrk="1" hangingPunct="1">
+              <a:spcBef>
+                <a:spcPct val="50000"/>
+              </a:spcBef>
+              <a:buClr>
+                <a:schemeClr val="bg2"/>
+              </a:buClr>
+              <a:buSzPct val="75000"/>
+              <a:buFont typeface="Wingdings" panose="05000000000000000000" pitchFamily="2" charset="2"/>
+              <a:buChar char="n"/>
+            </a:pPr>
+            <a:r>
+              <a:rPr lang="zh-CN" altLang="en-US" sz="2400" dirty="0" smtClean="0">
+                <a:solidFill>
+                  <a:srgbClr val="000000"/>
+                </a:solidFill>
+                <a:latin typeface="黑体" panose="02010609060101010101" pitchFamily="49" charset="-122"/>
+              </a:rPr>
+              <a:t>我们已经有了软件开发设计工具，还有必要迁移到</a:t>
+            </a:r>
+            <a:r>
+              <a:rPr lang="en-US" altLang="zh-CN" sz="2400" dirty="0" smtClean="0">
+                <a:solidFill>
+                  <a:srgbClr val="000000"/>
+                </a:solidFill>
+                <a:latin typeface="黑体" panose="02010609060101010101" pitchFamily="49" charset="-122"/>
+              </a:rPr>
+              <a:t>RSA</a:t>
+            </a:r>
+            <a:r>
+              <a:rPr lang="zh-CN" altLang="en-US" sz="2400" dirty="0" smtClean="0">
+                <a:solidFill>
+                  <a:srgbClr val="000000"/>
+                </a:solidFill>
+                <a:latin typeface="黑体" panose="02010609060101010101" pitchFamily="49" charset="-122"/>
+              </a:rPr>
+              <a:t>吗？</a:t>
+            </a:r>
+            <a:endParaRPr lang="zh-CN" altLang="en-US" sz="2400" dirty="0">
+              <a:solidFill>
+                <a:srgbClr val="000000"/>
+              </a:solidFill>
+              <a:latin typeface="黑体" panose="02010609060101010101" pitchFamily="49" charset="-122"/>
+            </a:endParaRPr>
+          </a:p>
+        </p:txBody>
+      </p:sp>
+    </p:spTree>
+    <p:extLst>
+      <p:ext uri="{BB962C8B-B14F-4D97-AF65-F5344CB8AC3E}">
+        <p14:creationId xmlns:p14="http://schemas.microsoft.com/office/powerpoint/2010/main" val="814638215"/>
       </p:ext>
     </p:extLst>
   </p:cSld>
@@ -25964,7 +29321,7 @@
     </a:clrScheme>
     <a:fontScheme name="Office">
       <a:majorFont>
-        <a:latin typeface="Calibri Light" panose="020F0302020204030204"/>
+        <a:latin typeface="Calibri Light"/>
         <a:ea typeface=""/>
         <a:cs typeface=""/>
         <a:font script="Jpan" typeface="ＭＳ Ｐゴシック"/>
@@ -25999,7 +29356,7 @@
         <a:font script="Geor" typeface="Sylfaen"/>
       </a:majorFont>
       <a:minorFont>
-        <a:latin typeface="Calibri" panose="020F0502020204030204"/>
+        <a:latin typeface="Calibri"/>
         <a:ea typeface=""/>
         <a:cs typeface=""/>
         <a:font script="Jpan" typeface="ＭＳ Ｐゴシック"/>
